--- a/Modul1FinalVersion_modified.pptx
+++ b/Modul1FinalVersion_modified.pptx
@@ -73,13 +73,13 @@
         </a:solidFill>
         <a:effectLst/>
         <a:uFillTx/>
-        <a:latin typeface="Calibri"/>
-        <a:ea typeface="Calibri"/>
-        <a:cs typeface="Calibri"/>
-        <a:sym typeface="Calibri"/>
+        <a:latin typeface="+mj-lt"/>
+        <a:ea typeface="+mj-ea"/>
+        <a:cs typeface="+mj-cs"/>
+        <a:sym typeface="Helvetica"/>
       </a:defRPr>
     </a:lvl1pPr>
-    <a:lvl2pPr marL="0" marR="0" indent="457200" algn="l" defTabSz="457200" rtl="0" fontAlgn="auto" latinLnBrk="0" hangingPunct="0">
+    <a:lvl2pPr marL="0" marR="0" indent="0" algn="l" defTabSz="457200" rtl="0" fontAlgn="auto" latinLnBrk="0" hangingPunct="0">
       <a:lnSpc>
         <a:spcPct val="100000"/>
       </a:lnSpc>
@@ -103,13 +103,13 @@
         </a:solidFill>
         <a:effectLst/>
         <a:uFillTx/>
-        <a:latin typeface="Calibri"/>
-        <a:ea typeface="Calibri"/>
-        <a:cs typeface="Calibri"/>
-        <a:sym typeface="Calibri"/>
+        <a:latin typeface="+mj-lt"/>
+        <a:ea typeface="+mj-ea"/>
+        <a:cs typeface="+mj-cs"/>
+        <a:sym typeface="Helvetica"/>
       </a:defRPr>
     </a:lvl2pPr>
-    <a:lvl3pPr marL="0" marR="0" indent="914400" algn="l" defTabSz="457200" rtl="0" fontAlgn="auto" latinLnBrk="0" hangingPunct="0">
+    <a:lvl3pPr marL="0" marR="0" indent="0" algn="l" defTabSz="457200" rtl="0" fontAlgn="auto" latinLnBrk="0" hangingPunct="0">
       <a:lnSpc>
         <a:spcPct val="100000"/>
       </a:lnSpc>
@@ -133,13 +133,13 @@
         </a:solidFill>
         <a:effectLst/>
         <a:uFillTx/>
-        <a:latin typeface="Calibri"/>
-        <a:ea typeface="Calibri"/>
-        <a:cs typeface="Calibri"/>
-        <a:sym typeface="Calibri"/>
+        <a:latin typeface="+mj-lt"/>
+        <a:ea typeface="+mj-ea"/>
+        <a:cs typeface="+mj-cs"/>
+        <a:sym typeface="Helvetica"/>
       </a:defRPr>
     </a:lvl3pPr>
-    <a:lvl4pPr marL="0" marR="0" indent="1371600" algn="l" defTabSz="457200" rtl="0" fontAlgn="auto" latinLnBrk="0" hangingPunct="0">
+    <a:lvl4pPr marL="0" marR="0" indent="0" algn="l" defTabSz="457200" rtl="0" fontAlgn="auto" latinLnBrk="0" hangingPunct="0">
       <a:lnSpc>
         <a:spcPct val="100000"/>
       </a:lnSpc>
@@ -163,13 +163,13 @@
         </a:solidFill>
         <a:effectLst/>
         <a:uFillTx/>
-        <a:latin typeface="Calibri"/>
-        <a:ea typeface="Calibri"/>
-        <a:cs typeface="Calibri"/>
-        <a:sym typeface="Calibri"/>
+        <a:latin typeface="+mj-lt"/>
+        <a:ea typeface="+mj-ea"/>
+        <a:cs typeface="+mj-cs"/>
+        <a:sym typeface="Helvetica"/>
       </a:defRPr>
     </a:lvl4pPr>
-    <a:lvl5pPr marL="0" marR="0" indent="1828800" algn="l" defTabSz="457200" rtl="0" fontAlgn="auto" latinLnBrk="0" hangingPunct="0">
+    <a:lvl5pPr marL="0" marR="0" indent="0" algn="l" defTabSz="457200" rtl="0" fontAlgn="auto" latinLnBrk="0" hangingPunct="0">
       <a:lnSpc>
         <a:spcPct val="100000"/>
       </a:lnSpc>
@@ -193,13 +193,13 @@
         </a:solidFill>
         <a:effectLst/>
         <a:uFillTx/>
-        <a:latin typeface="Calibri"/>
-        <a:ea typeface="Calibri"/>
-        <a:cs typeface="Calibri"/>
-        <a:sym typeface="Calibri"/>
+        <a:latin typeface="+mj-lt"/>
+        <a:ea typeface="+mj-ea"/>
+        <a:cs typeface="+mj-cs"/>
+        <a:sym typeface="Helvetica"/>
       </a:defRPr>
     </a:lvl5pPr>
-    <a:lvl6pPr marL="0" marR="0" indent="2286000" algn="l" defTabSz="457200" rtl="0" fontAlgn="auto" latinLnBrk="0" hangingPunct="0">
+    <a:lvl6pPr marL="0" marR="0" indent="0" algn="l" defTabSz="457200" rtl="0" fontAlgn="auto" latinLnBrk="0" hangingPunct="0">
       <a:lnSpc>
         <a:spcPct val="100000"/>
       </a:lnSpc>
@@ -223,13 +223,13 @@
         </a:solidFill>
         <a:effectLst/>
         <a:uFillTx/>
-        <a:latin typeface="Calibri"/>
-        <a:ea typeface="Calibri"/>
-        <a:cs typeface="Calibri"/>
-        <a:sym typeface="Calibri"/>
+        <a:latin typeface="+mj-lt"/>
+        <a:ea typeface="+mj-ea"/>
+        <a:cs typeface="+mj-cs"/>
+        <a:sym typeface="Helvetica"/>
       </a:defRPr>
     </a:lvl6pPr>
-    <a:lvl7pPr marL="0" marR="0" indent="2743200" algn="l" defTabSz="457200" rtl="0" fontAlgn="auto" latinLnBrk="0" hangingPunct="0">
+    <a:lvl7pPr marL="0" marR="0" indent="0" algn="l" defTabSz="457200" rtl="0" fontAlgn="auto" latinLnBrk="0" hangingPunct="0">
       <a:lnSpc>
         <a:spcPct val="100000"/>
       </a:lnSpc>
@@ -253,13 +253,13 @@
         </a:solidFill>
         <a:effectLst/>
         <a:uFillTx/>
-        <a:latin typeface="Calibri"/>
-        <a:ea typeface="Calibri"/>
-        <a:cs typeface="Calibri"/>
-        <a:sym typeface="Calibri"/>
+        <a:latin typeface="+mj-lt"/>
+        <a:ea typeface="+mj-ea"/>
+        <a:cs typeface="+mj-cs"/>
+        <a:sym typeface="Helvetica"/>
       </a:defRPr>
     </a:lvl7pPr>
-    <a:lvl8pPr marL="0" marR="0" indent="3200400" algn="l" defTabSz="457200" rtl="0" fontAlgn="auto" latinLnBrk="0" hangingPunct="0">
+    <a:lvl8pPr marL="0" marR="0" indent="0" algn="l" defTabSz="457200" rtl="0" fontAlgn="auto" latinLnBrk="0" hangingPunct="0">
       <a:lnSpc>
         <a:spcPct val="100000"/>
       </a:lnSpc>
@@ -283,13 +283,13 @@
         </a:solidFill>
         <a:effectLst/>
         <a:uFillTx/>
-        <a:latin typeface="Calibri"/>
-        <a:ea typeface="Calibri"/>
-        <a:cs typeface="Calibri"/>
-        <a:sym typeface="Calibri"/>
+        <a:latin typeface="+mj-lt"/>
+        <a:ea typeface="+mj-ea"/>
+        <a:cs typeface="+mj-cs"/>
+        <a:sym typeface="Helvetica"/>
       </a:defRPr>
     </a:lvl8pPr>
-    <a:lvl9pPr marL="0" marR="0" indent="3657600" algn="l" defTabSz="457200" rtl="0" fontAlgn="auto" latinLnBrk="0" hangingPunct="0">
+    <a:lvl9pPr marL="0" marR="0" indent="0" algn="l" defTabSz="457200" rtl="0" fontAlgn="auto" latinLnBrk="0" hangingPunct="0">
       <a:lnSpc>
         <a:spcPct val="100000"/>
       </a:lnSpc>
@@ -313,10 +313,10 @@
         </a:solidFill>
         <a:effectLst/>
         <a:uFillTx/>
-        <a:latin typeface="Calibri"/>
-        <a:ea typeface="Calibri"/>
-        <a:cs typeface="Calibri"/>
-        <a:sym typeface="Calibri"/>
+        <a:latin typeface="+mj-lt"/>
+        <a:ea typeface="+mj-ea"/>
+        <a:cs typeface="+mj-cs"/>
+        <a:sym typeface="Helvetica"/>
       </a:defRPr>
     </a:lvl9pPr>
   </p:defaultTextStyle>
@@ -346,7 +346,7 @@
       </p:grpSpPr>
       <p:sp>
         <p:nvSpPr>
-          <p:cNvPr id="126" name="Shape 126"/>
+          <p:cNvPr id="135" name="Shape 135"/>
           <p:cNvSpPr/>
           <p:nvPr>
             <p:ph type="sldImg"/>
@@ -371,7 +371,7 @@
       </p:sp>
       <p:sp>
         <p:nvSpPr>
-          <p:cNvPr id="127" name="Shape 127"/>
+          <p:cNvPr id="136" name="Shape 136"/>
           <p:cNvSpPr/>
           <p:nvPr>
             <p:ph type="body" sz="quarter" idx="1"/>
@@ -403,9 +403,9 @@
         <a:spcPct val="117999"/>
       </a:lnSpc>
       <a:defRPr sz="2200">
-        <a:latin typeface="+mj-lt"/>
-        <a:ea typeface="+mj-ea"/>
-        <a:cs typeface="+mj-cs"/>
+        <a:latin typeface="+mn-lt"/>
+        <a:ea typeface="+mn-ea"/>
+        <a:cs typeface="+mn-cs"/>
         <a:sym typeface="Helvetica Neue"/>
       </a:defRPr>
     </a:lvl1pPr>
@@ -414,9 +414,9 @@
         <a:spcPct val="117999"/>
       </a:lnSpc>
       <a:defRPr sz="2200">
-        <a:latin typeface="+mj-lt"/>
-        <a:ea typeface="+mj-ea"/>
-        <a:cs typeface="+mj-cs"/>
+        <a:latin typeface="+mn-lt"/>
+        <a:ea typeface="+mn-ea"/>
+        <a:cs typeface="+mn-cs"/>
         <a:sym typeface="Helvetica Neue"/>
       </a:defRPr>
     </a:lvl2pPr>
@@ -425,9 +425,9 @@
         <a:spcPct val="117999"/>
       </a:lnSpc>
       <a:defRPr sz="2200">
-        <a:latin typeface="+mj-lt"/>
-        <a:ea typeface="+mj-ea"/>
-        <a:cs typeface="+mj-cs"/>
+        <a:latin typeface="+mn-lt"/>
+        <a:ea typeface="+mn-ea"/>
+        <a:cs typeface="+mn-cs"/>
         <a:sym typeface="Helvetica Neue"/>
       </a:defRPr>
     </a:lvl3pPr>
@@ -436,9 +436,9 @@
         <a:spcPct val="117999"/>
       </a:lnSpc>
       <a:defRPr sz="2200">
-        <a:latin typeface="+mj-lt"/>
-        <a:ea typeface="+mj-ea"/>
-        <a:cs typeface="+mj-cs"/>
+        <a:latin typeface="+mn-lt"/>
+        <a:ea typeface="+mn-ea"/>
+        <a:cs typeface="+mn-cs"/>
         <a:sym typeface="Helvetica Neue"/>
       </a:defRPr>
     </a:lvl4pPr>
@@ -447,9 +447,9 @@
         <a:spcPct val="117999"/>
       </a:lnSpc>
       <a:defRPr sz="2200">
-        <a:latin typeface="+mj-lt"/>
-        <a:ea typeface="+mj-ea"/>
-        <a:cs typeface="+mj-cs"/>
+        <a:latin typeface="+mn-lt"/>
+        <a:ea typeface="+mn-ea"/>
+        <a:cs typeface="+mn-cs"/>
         <a:sym typeface="Helvetica Neue"/>
       </a:defRPr>
     </a:lvl5pPr>
@@ -458,9 +458,9 @@
         <a:spcPct val="117999"/>
       </a:lnSpc>
       <a:defRPr sz="2200">
-        <a:latin typeface="+mj-lt"/>
-        <a:ea typeface="+mj-ea"/>
-        <a:cs typeface="+mj-cs"/>
+        <a:latin typeface="+mn-lt"/>
+        <a:ea typeface="+mn-ea"/>
+        <a:cs typeface="+mn-cs"/>
         <a:sym typeface="Helvetica Neue"/>
       </a:defRPr>
     </a:lvl6pPr>
@@ -469,9 +469,9 @@
         <a:spcPct val="117999"/>
       </a:lnSpc>
       <a:defRPr sz="2200">
-        <a:latin typeface="+mj-lt"/>
-        <a:ea typeface="+mj-ea"/>
-        <a:cs typeface="+mj-cs"/>
+        <a:latin typeface="+mn-lt"/>
+        <a:ea typeface="+mn-ea"/>
+        <a:cs typeface="+mn-cs"/>
         <a:sym typeface="Helvetica Neue"/>
       </a:defRPr>
     </a:lvl7pPr>
@@ -480,9 +480,9 @@
         <a:spcPct val="117999"/>
       </a:lnSpc>
       <a:defRPr sz="2200">
-        <a:latin typeface="+mj-lt"/>
-        <a:ea typeface="+mj-ea"/>
-        <a:cs typeface="+mj-cs"/>
+        <a:latin typeface="+mn-lt"/>
+        <a:ea typeface="+mn-ea"/>
+        <a:cs typeface="+mn-cs"/>
         <a:sym typeface="Helvetica Neue"/>
       </a:defRPr>
     </a:lvl8pPr>
@@ -491,9 +491,9 @@
         <a:spcPct val="117999"/>
       </a:lnSpc>
       <a:defRPr sz="2200">
-        <a:latin typeface="+mj-lt"/>
-        <a:ea typeface="+mj-ea"/>
-        <a:cs typeface="+mj-cs"/>
+        <a:latin typeface="+mn-lt"/>
+        <a:ea typeface="+mn-ea"/>
+        <a:cs typeface="+mn-cs"/>
         <a:sym typeface="Helvetica Neue"/>
       </a:defRPr>
     </a:lvl9pPr>
@@ -502,7 +502,7 @@
 </file>
 
 <file path=ppt/slideLayouts/slideLayout1.xml><?xml version="1.0" encoding="utf-8"?>
-<p:sldLayout xmlns:a="http://schemas.openxmlformats.org/drawingml/2006/main" xmlns:r="http://schemas.openxmlformats.org/officeDocument/2006/relationships" xmlns:p="http://schemas.openxmlformats.org/presentationml/2006/main" type="title" showMasterSp="0" showMasterPhAnim="1">
+<p:sldLayout xmlns:a="http://schemas.openxmlformats.org/drawingml/2006/main" xmlns:r="http://schemas.openxmlformats.org/officeDocument/2006/relationships" xmlns:p="http://schemas.openxmlformats.org/presentationml/2006/main" type="title" showMasterSp="1" showMasterPhAnim="1">
   <p:cSld name="Title Slide">
     <p:spTree>
       <p:nvGrpSpPr>
@@ -520,90 +520,20 @@
       </p:grpSpPr>
       <p:sp>
         <p:nvSpPr>
-          <p:cNvPr id="14" name="Rectangle 6"/>
-          <p:cNvSpPr/>
-          <p:nvPr/>
-        </p:nvSpPr>
-        <p:spPr>
-          <a:xfrm>
-            <a:off x="3387" y="9103359"/>
-            <a:ext cx="13001416" cy="650241"/>
-          </a:xfrm>
-          <a:prstGeom prst="rect">
-            <a:avLst/>
-          </a:prstGeom>
-          <a:solidFill>
-            <a:schemeClr val="accent2"/>
-          </a:solidFill>
-          <a:ln w="12700">
-            <a:miter lim="400000"/>
-          </a:ln>
-        </p:spPr>
-        <p:txBody>
-          <a:bodyPr lIns="45719" rIns="45719"/>
-          <a:lstStyle/>
-          <a:p>
-            <a:pPr/>
-          </a:p>
-        </p:txBody>
-      </p:sp>
-      <p:sp>
-        <p:nvSpPr>
-          <p:cNvPr id="15" name="Rectangle 7"/>
-          <p:cNvSpPr/>
-          <p:nvPr/>
-        </p:nvSpPr>
-        <p:spPr>
-          <a:xfrm>
-            <a:off x="17" y="9008805"/>
-            <a:ext cx="13001416" cy="91035"/>
-          </a:xfrm>
-          <a:prstGeom prst="rect">
-            <a:avLst/>
-          </a:prstGeom>
-          <a:solidFill>
-            <a:schemeClr val="accent1"/>
-          </a:solidFill>
-          <a:ln w="12700">
-            <a:miter lim="400000"/>
-          </a:ln>
-        </p:spPr>
-        <p:txBody>
-          <a:bodyPr lIns="45719" rIns="45719"/>
-          <a:lstStyle/>
-          <a:p>
-            <a:pPr/>
-          </a:p>
-        </p:txBody>
-      </p:sp>
-      <p:sp>
-        <p:nvSpPr>
-          <p:cNvPr id="16" name="标题文本"/>
+          <p:cNvPr id="14" name="标题文本"/>
           <p:cNvSpPr txBox="1"/>
           <p:nvPr>
             <p:ph type="title"/>
           </p:nvPr>
         </p:nvSpPr>
         <p:spPr>
-          <a:xfrm>
-            <a:off x="1170432" y="1079397"/>
-            <a:ext cx="10728960" cy="5071873"/>
-          </a:xfrm>
           <a:prstGeom prst="rect">
             <a:avLst/>
           </a:prstGeom>
         </p:spPr>
         <p:txBody>
           <a:bodyPr/>
-          <a:lstStyle>
-            <a:lvl1pPr>
-              <a:defRPr spc="-71" sz="11300">
-                <a:solidFill>
-                  <a:srgbClr val="262626"/>
-                </a:solidFill>
-              </a:defRPr>
-            </a:lvl1pPr>
-          </a:lstStyle>
+          <a:lstStyle/>
           <a:p>
             <a:pPr/>
             <a:r>
@@ -614,100 +544,20 @@
       </p:sp>
       <p:sp>
         <p:nvSpPr>
-          <p:cNvPr id="17" name="正文级别 1…"/>
+          <p:cNvPr id="15" name="正文级别 1…"/>
           <p:cNvSpPr txBox="1"/>
           <p:nvPr>
             <p:ph type="body" sz="quarter" idx="1"/>
           </p:nvPr>
         </p:nvSpPr>
         <p:spPr>
-          <a:xfrm>
-            <a:off x="1173387" y="6336882"/>
-            <a:ext cx="10728960" cy="1625601"/>
-          </a:xfrm>
-          <a:prstGeom prst="rect">
-            <a:avLst/>
-          </a:prstGeom>
-        </p:spPr>
-        <p:txBody>
-          <a:bodyPr lIns="45719" tIns="45719" rIns="45719" bIns="45719"/>
-          <a:lstStyle>
-            <a:lvl1pPr marL="0" indent="0">
-              <a:buClrTx/>
-              <a:buSzTx/>
-              <a:buFontTx/>
-              <a:buNone/>
-              <a:defRPr cap="all" spc="284" sz="3400">
-                <a:solidFill>
-                  <a:srgbClr val="637052"/>
-                </a:solidFill>
-                <a:latin typeface="Calibri Light"/>
-                <a:ea typeface="Calibri Light"/>
-                <a:cs typeface="Calibri Light"/>
-                <a:sym typeface="Calibri Light"/>
-              </a:defRPr>
-            </a:lvl1pPr>
-            <a:lvl2pPr marL="0" indent="650229">
-              <a:buClrTx/>
-              <a:buSzTx/>
-              <a:buFontTx/>
-              <a:buNone/>
-              <a:defRPr cap="all" spc="284" sz="3400">
-                <a:solidFill>
-                  <a:srgbClr val="637052"/>
-                </a:solidFill>
-                <a:latin typeface="Calibri Light"/>
-                <a:ea typeface="Calibri Light"/>
-                <a:cs typeface="Calibri Light"/>
-                <a:sym typeface="Calibri Light"/>
-              </a:defRPr>
-            </a:lvl2pPr>
-            <a:lvl3pPr marL="0" indent="1300459">
-              <a:buClrTx/>
-              <a:buSzTx/>
-              <a:buFontTx/>
-              <a:buNone/>
-              <a:defRPr cap="all" spc="284" sz="3400">
-                <a:solidFill>
-                  <a:srgbClr val="637052"/>
-                </a:solidFill>
-                <a:latin typeface="Calibri Light"/>
-                <a:ea typeface="Calibri Light"/>
-                <a:cs typeface="Calibri Light"/>
-                <a:sym typeface="Calibri Light"/>
-              </a:defRPr>
-            </a:lvl3pPr>
-            <a:lvl4pPr marL="0" indent="1950690">
-              <a:buClrTx/>
-              <a:buSzTx/>
-              <a:buFontTx/>
-              <a:buNone/>
-              <a:defRPr cap="all" spc="284" sz="3400">
-                <a:solidFill>
-                  <a:srgbClr val="637052"/>
-                </a:solidFill>
-                <a:latin typeface="Calibri Light"/>
-                <a:ea typeface="Calibri Light"/>
-                <a:cs typeface="Calibri Light"/>
-                <a:sym typeface="Calibri Light"/>
-              </a:defRPr>
-            </a:lvl4pPr>
-            <a:lvl5pPr marL="0" indent="2600918">
-              <a:buClrTx/>
-              <a:buSzTx/>
-              <a:buFontTx/>
-              <a:buNone/>
-              <a:defRPr cap="all" spc="284" sz="3400">
-                <a:solidFill>
-                  <a:srgbClr val="637052"/>
-                </a:solidFill>
-                <a:latin typeface="Calibri Light"/>
-                <a:ea typeface="Calibri Light"/>
-                <a:cs typeface="Calibri Light"/>
-                <a:sym typeface="Calibri Light"/>
-              </a:defRPr>
-            </a:lvl5pPr>
-          </a:lstStyle>
+          <a:prstGeom prst="rect">
+            <a:avLst/>
+          </a:prstGeom>
+        </p:spPr>
+        <p:txBody>
+          <a:bodyPr/>
+          <a:lstStyle/>
           <a:p>
             <a:pPr/>
             <a:r>
@@ -742,35 +592,7 @@
       </p:sp>
       <p:sp>
         <p:nvSpPr>
-          <p:cNvPr id="18" name="Straight Connector 8"/>
-          <p:cNvSpPr/>
-          <p:nvPr/>
-        </p:nvSpPr>
-        <p:spPr>
-          <a:xfrm>
-            <a:off x="1288169" y="6177279"/>
-            <a:ext cx="10533889" cy="1"/>
-          </a:xfrm>
-          <a:prstGeom prst="line">
-            <a:avLst/>
-          </a:prstGeom>
-          <a:ln w="6350">
-            <a:solidFill>
-              <a:srgbClr val="808080"/>
-            </a:solidFill>
-          </a:ln>
-        </p:spPr>
-        <p:txBody>
-          <a:bodyPr lIns="45719" rIns="45719"/>
-          <a:lstStyle/>
-          <a:p>
-            <a:pPr/>
-          </a:p>
-        </p:txBody>
-      </p:sp>
-      <p:sp>
-        <p:nvSpPr>
-          <p:cNvPr id="19" name="幻灯片编号"/>
+          <p:cNvPr id="16" name="幻灯片编号"/>
           <p:cNvSpPr txBox="1"/>
           <p:nvPr>
             <p:ph type="sldNum" sz="quarter" idx="2"/>
@@ -800,7 +622,7 @@
 </file>
 
 <file path=ppt/slideLayouts/slideLayout10.xml><?xml version="1.0" encoding="utf-8"?>
-<p:sldLayout xmlns:a="http://schemas.openxmlformats.org/drawingml/2006/main" xmlns:r="http://schemas.openxmlformats.org/officeDocument/2006/relationships" xmlns:p="http://schemas.openxmlformats.org/presentationml/2006/main" type="tx" showMasterSp="1" showMasterPhAnim="1">
+<p:sldLayout xmlns:a="http://schemas.openxmlformats.org/drawingml/2006/main" xmlns:r="http://schemas.openxmlformats.org/officeDocument/2006/relationships" xmlns:p="http://schemas.openxmlformats.org/presentationml/2006/main" type="tx" showMasterSp="0" showMasterPhAnim="1">
   <p:cSld name="Title and Vertical Text">
     <p:spTree>
       <p:nvGrpSpPr>
@@ -818,20 +640,132 @@
       </p:grpSpPr>
       <p:sp>
         <p:nvSpPr>
-          <p:cNvPr id="107" name="标题文本"/>
+          <p:cNvPr id="113" name="Rectangle 6"/>
+          <p:cNvSpPr/>
+          <p:nvPr/>
+        </p:nvSpPr>
+        <p:spPr>
+          <a:xfrm>
+            <a:off x="1" y="9103359"/>
+            <a:ext cx="13004802" cy="650242"/>
+          </a:xfrm>
+          <a:prstGeom prst="rect">
+            <a:avLst/>
+          </a:prstGeom>
+          <a:solidFill>
+            <a:schemeClr val="accent2"/>
+          </a:solidFill>
+          <a:ln w="12700">
+            <a:miter lim="400000"/>
+          </a:ln>
+        </p:spPr>
+        <p:txBody>
+          <a:bodyPr lIns="45718" tIns="45718" rIns="45718" bIns="45718"/>
+          <a:lstStyle/>
+          <a:p>
+            <a:pPr>
+              <a:defRPr>
+                <a:latin typeface="Calibri"/>
+                <a:ea typeface="Calibri"/>
+                <a:cs typeface="Calibri"/>
+                <a:sym typeface="Calibri"/>
+              </a:defRPr>
+            </a:pPr>
+          </a:p>
+        </p:txBody>
+      </p:sp>
+      <p:sp>
+        <p:nvSpPr>
+          <p:cNvPr id="114" name="Rectangle 8"/>
+          <p:cNvSpPr/>
+          <p:nvPr/>
+        </p:nvSpPr>
+        <p:spPr>
+          <a:xfrm>
+            <a:off x="1" y="9008804"/>
+            <a:ext cx="13004802" cy="93867"/>
+          </a:xfrm>
+          <a:prstGeom prst="rect">
+            <a:avLst/>
+          </a:prstGeom>
+          <a:solidFill>
+            <a:schemeClr val="accent1"/>
+          </a:solidFill>
+          <a:ln w="12700">
+            <a:miter lim="400000"/>
+          </a:ln>
+        </p:spPr>
+        <p:txBody>
+          <a:bodyPr lIns="45718" tIns="45718" rIns="45718" bIns="45718"/>
+          <a:lstStyle/>
+          <a:p>
+            <a:pPr>
+              <a:defRPr>
+                <a:latin typeface="Calibri"/>
+                <a:ea typeface="Calibri"/>
+                <a:cs typeface="Calibri"/>
+                <a:sym typeface="Calibri"/>
+              </a:defRPr>
+            </a:pPr>
+          </a:p>
+        </p:txBody>
+      </p:sp>
+      <p:sp>
+        <p:nvSpPr>
+          <p:cNvPr id="115" name="Straight Connector 9"/>
+          <p:cNvSpPr/>
+          <p:nvPr/>
+        </p:nvSpPr>
+        <p:spPr>
+          <a:xfrm>
+            <a:off x="1273100" y="2471602"/>
+            <a:ext cx="10631426" cy="2"/>
+          </a:xfrm>
+          <a:prstGeom prst="line">
+            <a:avLst/>
+          </a:prstGeom>
+          <a:ln w="6350">
+            <a:solidFill>
+              <a:srgbClr val="808080"/>
+            </a:solidFill>
+          </a:ln>
+        </p:spPr>
+        <p:txBody>
+          <a:bodyPr lIns="45718" tIns="45718" rIns="45718" bIns="45718"/>
+          <a:lstStyle/>
+          <a:p>
+            <a:pPr/>
+          </a:p>
+        </p:txBody>
+      </p:sp>
+      <p:sp>
+        <p:nvSpPr>
+          <p:cNvPr id="116" name="标题文本"/>
           <p:cNvSpPr txBox="1"/>
           <p:nvPr>
             <p:ph type="title"/>
           </p:nvPr>
         </p:nvSpPr>
         <p:spPr>
+          <a:xfrm>
+            <a:off x="1170432" y="407613"/>
+            <a:ext cx="10728960" cy="2063302"/>
+          </a:xfrm>
           <a:prstGeom prst="rect">
             <a:avLst/>
           </a:prstGeom>
         </p:spPr>
         <p:txBody>
           <a:bodyPr/>
-          <a:lstStyle/>
+          <a:lstStyle>
+            <a:lvl1pPr>
+              <a:defRPr spc="-71" sz="6800">
+                <a:solidFill>
+                  <a:srgbClr val="404040"/>
+                </a:solidFill>
+              </a:defRPr>
+            </a:lvl1pPr>
+          </a:lstStyle>
           <a:p>
             <a:pPr/>
             <a:r>
@@ -842,7 +776,7 @@
       </p:sp>
       <p:sp>
         <p:nvSpPr>
-          <p:cNvPr id="108" name="正文级别 1…"/>
+          <p:cNvPr id="117" name="正文级别 1…"/>
           <p:cNvSpPr txBox="1"/>
           <p:nvPr>
             <p:ph type="body" idx="1"/>
@@ -851,15 +785,101 @@
         <p:spPr>
           <a:xfrm>
             <a:off x="1170430" y="2625044"/>
-            <a:ext cx="10728962" cy="5722113"/>
-          </a:xfrm>
-          <a:prstGeom prst="rect">
-            <a:avLst/>
-          </a:prstGeom>
-        </p:spPr>
-        <p:txBody>
-          <a:bodyPr/>
-          <a:lstStyle/>
+            <a:ext cx="10728963" cy="5722114"/>
+          </a:xfrm>
+          <a:prstGeom prst="rect">
+            <a:avLst/>
+          </a:prstGeom>
+        </p:spPr>
+        <p:txBody>
+          <a:bodyPr lIns="0" tIns="0" rIns="0" bIns="0"/>
+          <a:lstStyle>
+            <a:lvl1pPr marL="130045" indent="-130045">
+              <a:buClr>
+                <a:schemeClr val="accent1"/>
+              </a:buClr>
+              <a:buSzPct val="100000"/>
+              <a:buFont typeface="Trebuchet MS"/>
+              <a:buChar char=" "/>
+              <a:defRPr cap="none" spc="0" sz="2800">
+                <a:solidFill>
+                  <a:srgbClr val="404040"/>
+                </a:solidFill>
+                <a:latin typeface="Calibri"/>
+                <a:ea typeface="Calibri"/>
+                <a:cs typeface="Calibri"/>
+                <a:sym typeface="Calibri"/>
+              </a:defRPr>
+            </a:lvl1pPr>
+            <a:lvl2pPr marL="577404" indent="-291303">
+              <a:buClr>
+                <a:schemeClr val="accent1"/>
+              </a:buClr>
+              <a:buSzPct val="100000"/>
+              <a:buFont typeface="Trebuchet MS"/>
+              <a:buChar char="◦"/>
+              <a:defRPr cap="none" spc="0" sz="2800">
+                <a:solidFill>
+                  <a:srgbClr val="404040"/>
+                </a:solidFill>
+                <a:latin typeface="Calibri"/>
+                <a:ea typeface="Calibri"/>
+                <a:cs typeface="Calibri"/>
+                <a:sym typeface="Calibri"/>
+              </a:defRPr>
+            </a:lvl2pPr>
+            <a:lvl3pPr marL="929485" indent="-383292">
+              <a:buClr>
+                <a:schemeClr val="accent1"/>
+              </a:buClr>
+              <a:buSzPct val="100000"/>
+              <a:buFont typeface="Trebuchet MS"/>
+              <a:buChar char="◦"/>
+              <a:defRPr cap="none" spc="0" sz="2800">
+                <a:solidFill>
+                  <a:srgbClr val="404040"/>
+                </a:solidFill>
+                <a:latin typeface="Calibri"/>
+                <a:ea typeface="Calibri"/>
+                <a:cs typeface="Calibri"/>
+                <a:sym typeface="Calibri"/>
+              </a:defRPr>
+            </a:lvl3pPr>
+            <a:lvl4pPr marL="1189577" indent="-383292">
+              <a:buClr>
+                <a:schemeClr val="accent1"/>
+              </a:buClr>
+              <a:buSzPct val="100000"/>
+              <a:buFont typeface="Trebuchet MS"/>
+              <a:buChar char="◦"/>
+              <a:defRPr cap="none" spc="0" sz="2800">
+                <a:solidFill>
+                  <a:srgbClr val="404040"/>
+                </a:solidFill>
+                <a:latin typeface="Calibri"/>
+                <a:ea typeface="Calibri"/>
+                <a:cs typeface="Calibri"/>
+                <a:sym typeface="Calibri"/>
+              </a:defRPr>
+            </a:lvl4pPr>
+            <a:lvl5pPr marL="1449670" indent="-383292">
+              <a:buClr>
+                <a:schemeClr val="accent1"/>
+              </a:buClr>
+              <a:buSzPct val="100000"/>
+              <a:buFont typeface="Trebuchet MS"/>
+              <a:buChar char="◦"/>
+              <a:defRPr cap="none" spc="0" sz="2800">
+                <a:solidFill>
+                  <a:srgbClr val="404040"/>
+                </a:solidFill>
+                <a:latin typeface="Calibri"/>
+                <a:ea typeface="Calibri"/>
+                <a:cs typeface="Calibri"/>
+                <a:sym typeface="Calibri"/>
+              </a:defRPr>
+            </a:lvl5pPr>
+          </a:lstStyle>
           <a:p>
             <a:pPr/>
             <a:r>
@@ -894,7 +914,7 @@
       </p:sp>
       <p:sp>
         <p:nvSpPr>
-          <p:cNvPr id="109" name="幻灯片编号"/>
+          <p:cNvPr id="118" name="幻灯片编号"/>
           <p:cNvSpPr txBox="1"/>
           <p:nvPr>
             <p:ph type="sldNum" sz="quarter" idx="2"/>
@@ -942,14 +962,14 @@
       </p:grpSpPr>
       <p:sp>
         <p:nvSpPr>
-          <p:cNvPr id="116" name="Rectangle 6"/>
+          <p:cNvPr id="125" name="Rectangle 6"/>
           <p:cNvSpPr/>
           <p:nvPr/>
         </p:nvSpPr>
         <p:spPr>
           <a:xfrm>
-            <a:off x="3387" y="9103359"/>
-            <a:ext cx="13001416" cy="650241"/>
+            <a:off x="3386" y="9103359"/>
+            <a:ext cx="13001418" cy="650242"/>
           </a:xfrm>
           <a:prstGeom prst="rect">
             <a:avLst/>
@@ -962,23 +982,30 @@
           </a:ln>
         </p:spPr>
         <p:txBody>
-          <a:bodyPr lIns="45719" rIns="45719"/>
+          <a:bodyPr lIns="45718" tIns="45718" rIns="45718" bIns="45718"/>
           <a:lstStyle/>
           <a:p>
-            <a:pPr/>
-          </a:p>
-        </p:txBody>
-      </p:sp>
-      <p:sp>
-        <p:nvSpPr>
-          <p:cNvPr id="117" name="Rectangle 7"/>
+            <a:pPr>
+              <a:defRPr>
+                <a:latin typeface="Calibri"/>
+                <a:ea typeface="Calibri"/>
+                <a:cs typeface="Calibri"/>
+                <a:sym typeface="Calibri"/>
+              </a:defRPr>
+            </a:pPr>
+          </a:p>
+        </p:txBody>
+      </p:sp>
+      <p:sp>
+        <p:nvSpPr>
+          <p:cNvPr id="126" name="Rectangle 7"/>
           <p:cNvSpPr/>
           <p:nvPr/>
         </p:nvSpPr>
         <p:spPr>
           <a:xfrm>
-            <a:off x="17" y="9008805"/>
-            <a:ext cx="13001416" cy="91035"/>
+            <a:off x="16" y="9008805"/>
+            <a:ext cx="13001418" cy="91036"/>
           </a:xfrm>
           <a:prstGeom prst="rect">
             <a:avLst/>
@@ -991,16 +1018,23 @@
           </a:ln>
         </p:spPr>
         <p:txBody>
-          <a:bodyPr lIns="45719" rIns="45719"/>
+          <a:bodyPr lIns="45718" tIns="45718" rIns="45718" bIns="45718"/>
           <a:lstStyle/>
           <a:p>
-            <a:pPr/>
-          </a:p>
-        </p:txBody>
-      </p:sp>
-      <p:sp>
-        <p:nvSpPr>
-          <p:cNvPr id="118" name="标题文本"/>
+            <a:pPr>
+              <a:defRPr>
+                <a:latin typeface="Calibri"/>
+                <a:ea typeface="Calibri"/>
+                <a:cs typeface="Calibri"/>
+                <a:sym typeface="Calibri"/>
+              </a:defRPr>
+            </a:pPr>
+          </a:p>
+        </p:txBody>
+      </p:sp>
+      <p:sp>
+        <p:nvSpPr>
+          <p:cNvPr id="127" name="标题文本"/>
           <p:cNvSpPr txBox="1"/>
           <p:nvPr>
             <p:ph type="title"/>
@@ -1008,8 +1042,8 @@
         </p:nvSpPr>
         <p:spPr>
           <a:xfrm>
-            <a:off x="9306560" y="589909"/>
-            <a:ext cx="2804161" cy="8188332"/>
+            <a:off x="9306559" y="589909"/>
+            <a:ext cx="2804162" cy="8188332"/>
           </a:xfrm>
           <a:prstGeom prst="rect">
             <a:avLst/>
@@ -1017,7 +1051,15 @@
         </p:spPr>
         <p:txBody>
           <a:bodyPr/>
-          <a:lstStyle/>
+          <a:lstStyle>
+            <a:lvl1pPr>
+              <a:defRPr spc="-71" sz="6800">
+                <a:solidFill>
+                  <a:srgbClr val="404040"/>
+                </a:solidFill>
+              </a:defRPr>
+            </a:lvl1pPr>
+          </a:lstStyle>
           <a:p>
             <a:pPr/>
             <a:r>
@@ -1028,7 +1070,7 @@
       </p:sp>
       <p:sp>
         <p:nvSpPr>
-          <p:cNvPr id="119" name="正文级别 1…"/>
+          <p:cNvPr id="128" name="正文级别 1…"/>
           <p:cNvSpPr txBox="1"/>
           <p:nvPr>
             <p:ph type="body" idx="1"/>
@@ -1037,15 +1079,101 @@
         <p:spPr>
           <a:xfrm>
             <a:off x="894080" y="589907"/>
-            <a:ext cx="8249921" cy="8188333"/>
-          </a:xfrm>
-          <a:prstGeom prst="rect">
-            <a:avLst/>
-          </a:prstGeom>
-        </p:spPr>
-        <p:txBody>
-          <a:bodyPr/>
-          <a:lstStyle/>
+            <a:ext cx="8249922" cy="8188333"/>
+          </a:xfrm>
+          <a:prstGeom prst="rect">
+            <a:avLst/>
+          </a:prstGeom>
+        </p:spPr>
+        <p:txBody>
+          <a:bodyPr lIns="0" tIns="0" rIns="0" bIns="0"/>
+          <a:lstStyle>
+            <a:lvl1pPr marL="130045" indent="-130045">
+              <a:buClr>
+                <a:schemeClr val="accent1"/>
+              </a:buClr>
+              <a:buSzPct val="100000"/>
+              <a:buFont typeface="Trebuchet MS"/>
+              <a:buChar char=" "/>
+              <a:defRPr cap="none" spc="0" sz="2800">
+                <a:solidFill>
+                  <a:srgbClr val="404040"/>
+                </a:solidFill>
+                <a:latin typeface="Calibri"/>
+                <a:ea typeface="Calibri"/>
+                <a:cs typeface="Calibri"/>
+                <a:sym typeface="Calibri"/>
+              </a:defRPr>
+            </a:lvl1pPr>
+            <a:lvl2pPr marL="577404" indent="-291303">
+              <a:buClr>
+                <a:schemeClr val="accent1"/>
+              </a:buClr>
+              <a:buSzPct val="100000"/>
+              <a:buFont typeface="Trebuchet MS"/>
+              <a:buChar char="◦"/>
+              <a:defRPr cap="none" spc="0" sz="2800">
+                <a:solidFill>
+                  <a:srgbClr val="404040"/>
+                </a:solidFill>
+                <a:latin typeface="Calibri"/>
+                <a:ea typeface="Calibri"/>
+                <a:cs typeface="Calibri"/>
+                <a:sym typeface="Calibri"/>
+              </a:defRPr>
+            </a:lvl2pPr>
+            <a:lvl3pPr marL="929485" indent="-383292">
+              <a:buClr>
+                <a:schemeClr val="accent1"/>
+              </a:buClr>
+              <a:buSzPct val="100000"/>
+              <a:buFont typeface="Trebuchet MS"/>
+              <a:buChar char="◦"/>
+              <a:defRPr cap="none" spc="0" sz="2800">
+                <a:solidFill>
+                  <a:srgbClr val="404040"/>
+                </a:solidFill>
+                <a:latin typeface="Calibri"/>
+                <a:ea typeface="Calibri"/>
+                <a:cs typeface="Calibri"/>
+                <a:sym typeface="Calibri"/>
+              </a:defRPr>
+            </a:lvl3pPr>
+            <a:lvl4pPr marL="1189577" indent="-383292">
+              <a:buClr>
+                <a:schemeClr val="accent1"/>
+              </a:buClr>
+              <a:buSzPct val="100000"/>
+              <a:buFont typeface="Trebuchet MS"/>
+              <a:buChar char="◦"/>
+              <a:defRPr cap="none" spc="0" sz="2800">
+                <a:solidFill>
+                  <a:srgbClr val="404040"/>
+                </a:solidFill>
+                <a:latin typeface="Calibri"/>
+                <a:ea typeface="Calibri"/>
+                <a:cs typeface="Calibri"/>
+                <a:sym typeface="Calibri"/>
+              </a:defRPr>
+            </a:lvl4pPr>
+            <a:lvl5pPr marL="1449670" indent="-383292">
+              <a:buClr>
+                <a:schemeClr val="accent1"/>
+              </a:buClr>
+              <a:buSzPct val="100000"/>
+              <a:buFont typeface="Trebuchet MS"/>
+              <a:buChar char="◦"/>
+              <a:defRPr cap="none" spc="0" sz="2800">
+                <a:solidFill>
+                  <a:srgbClr val="404040"/>
+                </a:solidFill>
+                <a:latin typeface="Calibri"/>
+                <a:ea typeface="Calibri"/>
+                <a:cs typeface="Calibri"/>
+                <a:sym typeface="Calibri"/>
+              </a:defRPr>
+            </a:lvl5pPr>
+          </a:lstStyle>
           <a:p>
             <a:pPr/>
             <a:r>
@@ -1080,7 +1208,7 @@
       </p:sp>
       <p:sp>
         <p:nvSpPr>
-          <p:cNvPr id="120" name="幻灯片编号"/>
+          <p:cNvPr id="129" name="幻灯片编号"/>
           <p:cNvSpPr txBox="1"/>
           <p:nvPr>
             <p:ph type="sldNum" sz="quarter" idx="2"/>
@@ -1110,7 +1238,7 @@
 </file>
 
 <file path=ppt/slideLayouts/slideLayout2.xml><?xml version="1.0" encoding="utf-8"?>
-<p:sldLayout xmlns:a="http://schemas.openxmlformats.org/drawingml/2006/main" xmlns:r="http://schemas.openxmlformats.org/officeDocument/2006/relationships" xmlns:p="http://schemas.openxmlformats.org/presentationml/2006/main" type="tx" showMasterSp="1" showMasterPhAnim="1">
+<p:sldLayout xmlns:a="http://schemas.openxmlformats.org/drawingml/2006/main" xmlns:r="http://schemas.openxmlformats.org/officeDocument/2006/relationships" xmlns:p="http://schemas.openxmlformats.org/presentationml/2006/main" type="tx" showMasterSp="0" showMasterPhAnim="1">
   <p:cSld name="Title and Content">
     <p:spTree>
       <p:nvGrpSpPr>
@@ -1128,6 +1256,106 @@
       </p:grpSpPr>
       <p:sp>
         <p:nvSpPr>
+          <p:cNvPr id="23" name="Rectangle 6"/>
+          <p:cNvSpPr/>
+          <p:nvPr/>
+        </p:nvSpPr>
+        <p:spPr>
+          <a:xfrm>
+            <a:off x="1" y="9103359"/>
+            <a:ext cx="13004802" cy="650242"/>
+          </a:xfrm>
+          <a:prstGeom prst="rect">
+            <a:avLst/>
+          </a:prstGeom>
+          <a:solidFill>
+            <a:schemeClr val="accent2"/>
+          </a:solidFill>
+          <a:ln w="12700">
+            <a:miter lim="400000"/>
+          </a:ln>
+        </p:spPr>
+        <p:txBody>
+          <a:bodyPr lIns="45718" tIns="45718" rIns="45718" bIns="45718"/>
+          <a:lstStyle/>
+          <a:p>
+            <a:pPr>
+              <a:defRPr>
+                <a:latin typeface="Calibri"/>
+                <a:ea typeface="Calibri"/>
+                <a:cs typeface="Calibri"/>
+                <a:sym typeface="Calibri"/>
+              </a:defRPr>
+            </a:pPr>
+          </a:p>
+        </p:txBody>
+      </p:sp>
+      <p:sp>
+        <p:nvSpPr>
+          <p:cNvPr id="24" name="Rectangle 8"/>
+          <p:cNvSpPr/>
+          <p:nvPr/>
+        </p:nvSpPr>
+        <p:spPr>
+          <a:xfrm>
+            <a:off x="1" y="9008804"/>
+            <a:ext cx="13004802" cy="93867"/>
+          </a:xfrm>
+          <a:prstGeom prst="rect">
+            <a:avLst/>
+          </a:prstGeom>
+          <a:solidFill>
+            <a:schemeClr val="accent1"/>
+          </a:solidFill>
+          <a:ln w="12700">
+            <a:miter lim="400000"/>
+          </a:ln>
+        </p:spPr>
+        <p:txBody>
+          <a:bodyPr lIns="45718" tIns="45718" rIns="45718" bIns="45718"/>
+          <a:lstStyle/>
+          <a:p>
+            <a:pPr>
+              <a:defRPr>
+                <a:latin typeface="Calibri"/>
+                <a:ea typeface="Calibri"/>
+                <a:cs typeface="Calibri"/>
+                <a:sym typeface="Calibri"/>
+              </a:defRPr>
+            </a:pPr>
+          </a:p>
+        </p:txBody>
+      </p:sp>
+      <p:sp>
+        <p:nvSpPr>
+          <p:cNvPr id="25" name="Straight Connector 9"/>
+          <p:cNvSpPr/>
+          <p:nvPr/>
+        </p:nvSpPr>
+        <p:spPr>
+          <a:xfrm>
+            <a:off x="1273100" y="2471602"/>
+            <a:ext cx="10631426" cy="2"/>
+          </a:xfrm>
+          <a:prstGeom prst="line">
+            <a:avLst/>
+          </a:prstGeom>
+          <a:ln w="6350">
+            <a:solidFill>
+              <a:srgbClr val="808080"/>
+            </a:solidFill>
+          </a:ln>
+        </p:spPr>
+        <p:txBody>
+          <a:bodyPr lIns="45718" tIns="45718" rIns="45718" bIns="45718"/>
+          <a:lstStyle/>
+          <a:p>
+            <a:pPr/>
+          </a:p>
+        </p:txBody>
+      </p:sp>
+      <p:sp>
+        <p:nvSpPr>
           <p:cNvPr id="26" name="标题文本"/>
           <p:cNvSpPr txBox="1"/>
           <p:nvPr>
@@ -1135,13 +1363,25 @@
           </p:nvPr>
         </p:nvSpPr>
         <p:spPr>
+          <a:xfrm>
+            <a:off x="1170432" y="407613"/>
+            <a:ext cx="10728960" cy="2063302"/>
+          </a:xfrm>
           <a:prstGeom prst="rect">
             <a:avLst/>
           </a:prstGeom>
         </p:spPr>
         <p:txBody>
           <a:bodyPr/>
-          <a:lstStyle/>
+          <a:lstStyle>
+            <a:lvl1pPr>
+              <a:defRPr spc="-71" sz="6800">
+                <a:solidFill>
+                  <a:srgbClr val="404040"/>
+                </a:solidFill>
+              </a:defRPr>
+            </a:lvl1pPr>
+          </a:lstStyle>
           <a:p>
             <a:pPr/>
             <a:r>
@@ -1161,15 +1401,101 @@
         <p:spPr>
           <a:xfrm>
             <a:off x="1170430" y="2625044"/>
-            <a:ext cx="10728962" cy="5722113"/>
-          </a:xfrm>
-          <a:prstGeom prst="rect">
-            <a:avLst/>
-          </a:prstGeom>
-        </p:spPr>
-        <p:txBody>
-          <a:bodyPr/>
-          <a:lstStyle/>
+            <a:ext cx="10728963" cy="5722114"/>
+          </a:xfrm>
+          <a:prstGeom prst="rect">
+            <a:avLst/>
+          </a:prstGeom>
+        </p:spPr>
+        <p:txBody>
+          <a:bodyPr lIns="0" tIns="0" rIns="0" bIns="0"/>
+          <a:lstStyle>
+            <a:lvl1pPr marL="130045" indent="-130045">
+              <a:buClr>
+                <a:schemeClr val="accent1"/>
+              </a:buClr>
+              <a:buSzPct val="100000"/>
+              <a:buFont typeface="Trebuchet MS"/>
+              <a:buChar char=" "/>
+              <a:defRPr cap="none" spc="0" sz="2800">
+                <a:solidFill>
+                  <a:srgbClr val="404040"/>
+                </a:solidFill>
+                <a:latin typeface="Calibri"/>
+                <a:ea typeface="Calibri"/>
+                <a:cs typeface="Calibri"/>
+                <a:sym typeface="Calibri"/>
+              </a:defRPr>
+            </a:lvl1pPr>
+            <a:lvl2pPr marL="577404" indent="-291303">
+              <a:buClr>
+                <a:schemeClr val="accent1"/>
+              </a:buClr>
+              <a:buSzPct val="100000"/>
+              <a:buFont typeface="Trebuchet MS"/>
+              <a:buChar char="◦"/>
+              <a:defRPr cap="none" spc="0" sz="2800">
+                <a:solidFill>
+                  <a:srgbClr val="404040"/>
+                </a:solidFill>
+                <a:latin typeface="Calibri"/>
+                <a:ea typeface="Calibri"/>
+                <a:cs typeface="Calibri"/>
+                <a:sym typeface="Calibri"/>
+              </a:defRPr>
+            </a:lvl2pPr>
+            <a:lvl3pPr marL="929485" indent="-383292">
+              <a:buClr>
+                <a:schemeClr val="accent1"/>
+              </a:buClr>
+              <a:buSzPct val="100000"/>
+              <a:buFont typeface="Trebuchet MS"/>
+              <a:buChar char="◦"/>
+              <a:defRPr cap="none" spc="0" sz="2800">
+                <a:solidFill>
+                  <a:srgbClr val="404040"/>
+                </a:solidFill>
+                <a:latin typeface="Calibri"/>
+                <a:ea typeface="Calibri"/>
+                <a:cs typeface="Calibri"/>
+                <a:sym typeface="Calibri"/>
+              </a:defRPr>
+            </a:lvl3pPr>
+            <a:lvl4pPr marL="1189577" indent="-383292">
+              <a:buClr>
+                <a:schemeClr val="accent1"/>
+              </a:buClr>
+              <a:buSzPct val="100000"/>
+              <a:buFont typeface="Trebuchet MS"/>
+              <a:buChar char="◦"/>
+              <a:defRPr cap="none" spc="0" sz="2800">
+                <a:solidFill>
+                  <a:srgbClr val="404040"/>
+                </a:solidFill>
+                <a:latin typeface="Calibri"/>
+                <a:ea typeface="Calibri"/>
+                <a:cs typeface="Calibri"/>
+                <a:sym typeface="Calibri"/>
+              </a:defRPr>
+            </a:lvl4pPr>
+            <a:lvl5pPr marL="1449670" indent="-383292">
+              <a:buClr>
+                <a:schemeClr val="accent1"/>
+              </a:buClr>
+              <a:buSzPct val="100000"/>
+              <a:buFont typeface="Trebuchet MS"/>
+              <a:buChar char="◦"/>
+              <a:defRPr cap="none" spc="0" sz="2800">
+                <a:solidFill>
+                  <a:srgbClr val="404040"/>
+                </a:solidFill>
+                <a:latin typeface="Calibri"/>
+                <a:ea typeface="Calibri"/>
+                <a:cs typeface="Calibri"/>
+                <a:sym typeface="Calibri"/>
+              </a:defRPr>
+            </a:lvl5pPr>
+          </a:lstStyle>
           <a:p>
             <a:pPr/>
             <a:r>
@@ -1234,7 +1560,7 @@
 </file>
 
 <file path=ppt/slideLayouts/slideLayout3.xml><?xml version="1.0" encoding="utf-8"?>
-<p:sldLayout xmlns:a="http://schemas.openxmlformats.org/drawingml/2006/main" xmlns:r="http://schemas.openxmlformats.org/officeDocument/2006/relationships" xmlns:p="http://schemas.openxmlformats.org/presentationml/2006/main" type="tx" showMasterSp="0" showMasterPhAnim="1">
+<p:sldLayout xmlns:a="http://schemas.openxmlformats.org/drawingml/2006/main" xmlns:r="http://schemas.openxmlformats.org/officeDocument/2006/relationships" xmlns:p="http://schemas.openxmlformats.org/presentationml/2006/main" type="tx" showMasterSp="1" showMasterPhAnim="1">
   <p:cSld name="Section Header">
     <p:spTree>
       <p:nvGrpSpPr>
@@ -1252,90 +1578,20 @@
       </p:grpSpPr>
       <p:sp>
         <p:nvSpPr>
-          <p:cNvPr id="35" name="Rectangle 6"/>
-          <p:cNvSpPr/>
-          <p:nvPr/>
-        </p:nvSpPr>
-        <p:spPr>
-          <a:xfrm>
-            <a:off x="3387" y="9103359"/>
-            <a:ext cx="13001416" cy="650241"/>
-          </a:xfrm>
-          <a:prstGeom prst="rect">
-            <a:avLst/>
-          </a:prstGeom>
-          <a:solidFill>
-            <a:schemeClr val="accent2"/>
-          </a:solidFill>
-          <a:ln w="12700">
-            <a:miter lim="400000"/>
-          </a:ln>
-        </p:spPr>
-        <p:txBody>
-          <a:bodyPr lIns="45719" rIns="45719"/>
-          <a:lstStyle/>
-          <a:p>
-            <a:pPr/>
-          </a:p>
-        </p:txBody>
-      </p:sp>
-      <p:sp>
-        <p:nvSpPr>
-          <p:cNvPr id="36" name="Rectangle 7"/>
-          <p:cNvSpPr/>
-          <p:nvPr/>
-        </p:nvSpPr>
-        <p:spPr>
-          <a:xfrm>
-            <a:off x="17" y="9008805"/>
-            <a:ext cx="13001416" cy="91035"/>
-          </a:xfrm>
-          <a:prstGeom prst="rect">
-            <a:avLst/>
-          </a:prstGeom>
-          <a:solidFill>
-            <a:schemeClr val="accent1"/>
-          </a:solidFill>
-          <a:ln w="12700">
-            <a:miter lim="400000"/>
-          </a:ln>
-        </p:spPr>
-        <p:txBody>
-          <a:bodyPr lIns="45719" rIns="45719"/>
-          <a:lstStyle/>
-          <a:p>
-            <a:pPr/>
-          </a:p>
-        </p:txBody>
-      </p:sp>
-      <p:sp>
-        <p:nvSpPr>
-          <p:cNvPr id="37" name="标题文本"/>
+          <p:cNvPr id="35" name="标题文本"/>
           <p:cNvSpPr txBox="1"/>
           <p:nvPr>
             <p:ph type="title"/>
           </p:nvPr>
         </p:nvSpPr>
         <p:spPr>
-          <a:xfrm>
-            <a:off x="1170432" y="1079397"/>
-            <a:ext cx="10728960" cy="5071873"/>
-          </a:xfrm>
           <a:prstGeom prst="rect">
             <a:avLst/>
           </a:prstGeom>
         </p:spPr>
         <p:txBody>
           <a:bodyPr/>
-          <a:lstStyle>
-            <a:lvl1pPr>
-              <a:defRPr spc="-71" sz="11300">
-                <a:solidFill>
-                  <a:srgbClr val="262626"/>
-                </a:solidFill>
-              </a:defRPr>
-            </a:lvl1pPr>
-          </a:lstStyle>
+          <a:lstStyle/>
           <a:p>
             <a:pPr/>
             <a:r>
@@ -1346,7 +1602,7 @@
       </p:sp>
       <p:sp>
         <p:nvSpPr>
-          <p:cNvPr id="38" name="正文级别 1…"/>
+          <p:cNvPr id="36" name="正文级别 1…"/>
           <p:cNvSpPr txBox="1"/>
           <p:nvPr>
             <p:ph type="body" sz="quarter" idx="1"/>
@@ -1355,91 +1611,15 @@
         <p:spPr>
           <a:xfrm>
             <a:off x="1170432" y="6333337"/>
-            <a:ext cx="10728960" cy="1625601"/>
-          </a:xfrm>
-          <a:prstGeom prst="rect">
-            <a:avLst/>
-          </a:prstGeom>
-        </p:spPr>
-        <p:txBody>
-          <a:bodyPr lIns="45719" tIns="45719" rIns="45719" bIns="45719"/>
-          <a:lstStyle>
-            <a:lvl1pPr marL="0" indent="0">
-              <a:buClrTx/>
-              <a:buSzTx/>
-              <a:buFontTx/>
-              <a:buNone/>
-              <a:defRPr cap="all" spc="284" sz="3400">
-                <a:solidFill>
-                  <a:srgbClr val="637052"/>
-                </a:solidFill>
-                <a:latin typeface="Calibri Light"/>
-                <a:ea typeface="Calibri Light"/>
-                <a:cs typeface="Calibri Light"/>
-                <a:sym typeface="Calibri Light"/>
-              </a:defRPr>
-            </a:lvl1pPr>
-            <a:lvl2pPr marL="0" indent="650229">
-              <a:buClrTx/>
-              <a:buSzTx/>
-              <a:buFontTx/>
-              <a:buNone/>
-              <a:defRPr cap="all" spc="284" sz="3400">
-                <a:solidFill>
-                  <a:srgbClr val="637052"/>
-                </a:solidFill>
-                <a:latin typeface="Calibri Light"/>
-                <a:ea typeface="Calibri Light"/>
-                <a:cs typeface="Calibri Light"/>
-                <a:sym typeface="Calibri Light"/>
-              </a:defRPr>
-            </a:lvl2pPr>
-            <a:lvl3pPr marL="0" indent="1300459">
-              <a:buClrTx/>
-              <a:buSzTx/>
-              <a:buFontTx/>
-              <a:buNone/>
-              <a:defRPr cap="all" spc="284" sz="3400">
-                <a:solidFill>
-                  <a:srgbClr val="637052"/>
-                </a:solidFill>
-                <a:latin typeface="Calibri Light"/>
-                <a:ea typeface="Calibri Light"/>
-                <a:cs typeface="Calibri Light"/>
-                <a:sym typeface="Calibri Light"/>
-              </a:defRPr>
-            </a:lvl3pPr>
-            <a:lvl4pPr marL="0" indent="1950690">
-              <a:buClrTx/>
-              <a:buSzTx/>
-              <a:buFontTx/>
-              <a:buNone/>
-              <a:defRPr cap="all" spc="284" sz="3400">
-                <a:solidFill>
-                  <a:srgbClr val="637052"/>
-                </a:solidFill>
-                <a:latin typeface="Calibri Light"/>
-                <a:ea typeface="Calibri Light"/>
-                <a:cs typeface="Calibri Light"/>
-                <a:sym typeface="Calibri Light"/>
-              </a:defRPr>
-            </a:lvl4pPr>
-            <a:lvl5pPr marL="0" indent="2600918">
-              <a:buClrTx/>
-              <a:buSzTx/>
-              <a:buFontTx/>
-              <a:buNone/>
-              <a:defRPr cap="all" spc="284" sz="3400">
-                <a:solidFill>
-                  <a:srgbClr val="637052"/>
-                </a:solidFill>
-                <a:latin typeface="Calibri Light"/>
-                <a:ea typeface="Calibri Light"/>
-                <a:cs typeface="Calibri Light"/>
-                <a:sym typeface="Calibri Light"/>
-              </a:defRPr>
-            </a:lvl5pPr>
-          </a:lstStyle>
+            <a:ext cx="10728960" cy="1625602"/>
+          </a:xfrm>
+          <a:prstGeom prst="rect">
+            <a:avLst/>
+          </a:prstGeom>
+        </p:spPr>
+        <p:txBody>
+          <a:bodyPr/>
+          <a:lstStyle/>
           <a:p>
             <a:pPr/>
             <a:r>
@@ -1474,35 +1654,7 @@
       </p:sp>
       <p:sp>
         <p:nvSpPr>
-          <p:cNvPr id="39" name="Straight Connector 8"/>
-          <p:cNvSpPr/>
-          <p:nvPr/>
-        </p:nvSpPr>
-        <p:spPr>
-          <a:xfrm>
-            <a:off x="1288169" y="6177279"/>
-            <a:ext cx="10533889" cy="1"/>
-          </a:xfrm>
-          <a:prstGeom prst="line">
-            <a:avLst/>
-          </a:prstGeom>
-          <a:ln w="6350">
-            <a:solidFill>
-              <a:srgbClr val="808080"/>
-            </a:solidFill>
-          </a:ln>
-        </p:spPr>
-        <p:txBody>
-          <a:bodyPr lIns="45719" rIns="45719"/>
-          <a:lstStyle/>
-          <a:p>
-            <a:pPr/>
-          </a:p>
-        </p:txBody>
-      </p:sp>
-      <p:sp>
-        <p:nvSpPr>
-          <p:cNvPr id="40" name="幻灯片编号"/>
+          <p:cNvPr id="37" name="幻灯片编号"/>
           <p:cNvSpPr txBox="1"/>
           <p:nvPr>
             <p:ph type="sldNum" sz="quarter" idx="2"/>
@@ -1532,7 +1684,7 @@
 </file>
 
 <file path=ppt/slideLayouts/slideLayout4.xml><?xml version="1.0" encoding="utf-8"?>
-<p:sldLayout xmlns:a="http://schemas.openxmlformats.org/drawingml/2006/main" xmlns:r="http://schemas.openxmlformats.org/officeDocument/2006/relationships" xmlns:p="http://schemas.openxmlformats.org/presentationml/2006/main" type="tx" showMasterSp="1" showMasterPhAnim="1">
+<p:sldLayout xmlns:a="http://schemas.openxmlformats.org/drawingml/2006/main" xmlns:r="http://schemas.openxmlformats.org/officeDocument/2006/relationships" xmlns:p="http://schemas.openxmlformats.org/presentationml/2006/main" type="tx" showMasterSp="0" showMasterPhAnim="1">
   <p:cSld name="Two Content">
     <p:spTree>
       <p:nvGrpSpPr>
@@ -1550,6 +1702,106 @@
       </p:grpSpPr>
       <p:sp>
         <p:nvSpPr>
+          <p:cNvPr id="44" name="Rectangle 6"/>
+          <p:cNvSpPr/>
+          <p:nvPr/>
+        </p:nvSpPr>
+        <p:spPr>
+          <a:xfrm>
+            <a:off x="1" y="9103359"/>
+            <a:ext cx="13004802" cy="650242"/>
+          </a:xfrm>
+          <a:prstGeom prst="rect">
+            <a:avLst/>
+          </a:prstGeom>
+          <a:solidFill>
+            <a:schemeClr val="accent2"/>
+          </a:solidFill>
+          <a:ln w="12700">
+            <a:miter lim="400000"/>
+          </a:ln>
+        </p:spPr>
+        <p:txBody>
+          <a:bodyPr lIns="45718" tIns="45718" rIns="45718" bIns="45718"/>
+          <a:lstStyle/>
+          <a:p>
+            <a:pPr>
+              <a:defRPr>
+                <a:latin typeface="Calibri"/>
+                <a:ea typeface="Calibri"/>
+                <a:cs typeface="Calibri"/>
+                <a:sym typeface="Calibri"/>
+              </a:defRPr>
+            </a:pPr>
+          </a:p>
+        </p:txBody>
+      </p:sp>
+      <p:sp>
+        <p:nvSpPr>
+          <p:cNvPr id="45" name="Rectangle 8"/>
+          <p:cNvSpPr/>
+          <p:nvPr/>
+        </p:nvSpPr>
+        <p:spPr>
+          <a:xfrm>
+            <a:off x="1" y="9008804"/>
+            <a:ext cx="13004802" cy="93867"/>
+          </a:xfrm>
+          <a:prstGeom prst="rect">
+            <a:avLst/>
+          </a:prstGeom>
+          <a:solidFill>
+            <a:schemeClr val="accent1"/>
+          </a:solidFill>
+          <a:ln w="12700">
+            <a:miter lim="400000"/>
+          </a:ln>
+        </p:spPr>
+        <p:txBody>
+          <a:bodyPr lIns="45718" tIns="45718" rIns="45718" bIns="45718"/>
+          <a:lstStyle/>
+          <a:p>
+            <a:pPr>
+              <a:defRPr>
+                <a:latin typeface="Calibri"/>
+                <a:ea typeface="Calibri"/>
+                <a:cs typeface="Calibri"/>
+                <a:sym typeface="Calibri"/>
+              </a:defRPr>
+            </a:pPr>
+          </a:p>
+        </p:txBody>
+      </p:sp>
+      <p:sp>
+        <p:nvSpPr>
+          <p:cNvPr id="46" name="Straight Connector 9"/>
+          <p:cNvSpPr/>
+          <p:nvPr/>
+        </p:nvSpPr>
+        <p:spPr>
+          <a:xfrm>
+            <a:off x="1273100" y="2471602"/>
+            <a:ext cx="10631426" cy="2"/>
+          </a:xfrm>
+          <a:prstGeom prst="line">
+            <a:avLst/>
+          </a:prstGeom>
+          <a:ln w="6350">
+            <a:solidFill>
+              <a:srgbClr val="808080"/>
+            </a:solidFill>
+          </a:ln>
+        </p:spPr>
+        <p:txBody>
+          <a:bodyPr lIns="45718" tIns="45718" rIns="45718" bIns="45718"/>
+          <a:lstStyle/>
+          <a:p>
+            <a:pPr/>
+          </a:p>
+        </p:txBody>
+      </p:sp>
+      <p:sp>
+        <p:nvSpPr>
           <p:cNvPr id="47" name="标题文本"/>
           <p:cNvSpPr txBox="1"/>
           <p:nvPr>
@@ -1557,13 +1809,25 @@
           </p:nvPr>
         </p:nvSpPr>
         <p:spPr>
+          <a:xfrm>
+            <a:off x="1170432" y="407613"/>
+            <a:ext cx="10728960" cy="2063302"/>
+          </a:xfrm>
           <a:prstGeom prst="rect">
             <a:avLst/>
           </a:prstGeom>
         </p:spPr>
         <p:txBody>
           <a:bodyPr/>
-          <a:lstStyle/>
+          <a:lstStyle>
+            <a:lvl1pPr>
+              <a:defRPr spc="-71" sz="6800">
+                <a:solidFill>
+                  <a:srgbClr val="404040"/>
+                </a:solidFill>
+              </a:defRPr>
+            </a:lvl1pPr>
+          </a:lstStyle>
           <a:p>
             <a:pPr/>
             <a:r>
@@ -1583,15 +1847,101 @@
         <p:spPr>
           <a:xfrm>
             <a:off x="1170432" y="2625044"/>
-            <a:ext cx="5266945" cy="5722113"/>
-          </a:xfrm>
-          <a:prstGeom prst="rect">
-            <a:avLst/>
-          </a:prstGeom>
-        </p:spPr>
-        <p:txBody>
-          <a:bodyPr/>
-          <a:lstStyle/>
+            <a:ext cx="5266946" cy="5722114"/>
+          </a:xfrm>
+          <a:prstGeom prst="rect">
+            <a:avLst/>
+          </a:prstGeom>
+        </p:spPr>
+        <p:txBody>
+          <a:bodyPr lIns="0" tIns="0" rIns="0" bIns="0"/>
+          <a:lstStyle>
+            <a:lvl1pPr marL="130045" indent="-130045">
+              <a:buClr>
+                <a:schemeClr val="accent1"/>
+              </a:buClr>
+              <a:buSzPct val="100000"/>
+              <a:buFont typeface="Trebuchet MS"/>
+              <a:buChar char=" "/>
+              <a:defRPr cap="none" spc="0" sz="2800">
+                <a:solidFill>
+                  <a:srgbClr val="404040"/>
+                </a:solidFill>
+                <a:latin typeface="Calibri"/>
+                <a:ea typeface="Calibri"/>
+                <a:cs typeface="Calibri"/>
+                <a:sym typeface="Calibri"/>
+              </a:defRPr>
+            </a:lvl1pPr>
+            <a:lvl2pPr marL="577404" indent="-291303">
+              <a:buClr>
+                <a:schemeClr val="accent1"/>
+              </a:buClr>
+              <a:buSzPct val="100000"/>
+              <a:buFont typeface="Trebuchet MS"/>
+              <a:buChar char="◦"/>
+              <a:defRPr cap="none" spc="0" sz="2800">
+                <a:solidFill>
+                  <a:srgbClr val="404040"/>
+                </a:solidFill>
+                <a:latin typeface="Calibri"/>
+                <a:ea typeface="Calibri"/>
+                <a:cs typeface="Calibri"/>
+                <a:sym typeface="Calibri"/>
+              </a:defRPr>
+            </a:lvl2pPr>
+            <a:lvl3pPr marL="929485" indent="-383292">
+              <a:buClr>
+                <a:schemeClr val="accent1"/>
+              </a:buClr>
+              <a:buSzPct val="100000"/>
+              <a:buFont typeface="Trebuchet MS"/>
+              <a:buChar char="◦"/>
+              <a:defRPr cap="none" spc="0" sz="2800">
+                <a:solidFill>
+                  <a:srgbClr val="404040"/>
+                </a:solidFill>
+                <a:latin typeface="Calibri"/>
+                <a:ea typeface="Calibri"/>
+                <a:cs typeface="Calibri"/>
+                <a:sym typeface="Calibri"/>
+              </a:defRPr>
+            </a:lvl3pPr>
+            <a:lvl4pPr marL="1189577" indent="-383292">
+              <a:buClr>
+                <a:schemeClr val="accent1"/>
+              </a:buClr>
+              <a:buSzPct val="100000"/>
+              <a:buFont typeface="Trebuchet MS"/>
+              <a:buChar char="◦"/>
+              <a:defRPr cap="none" spc="0" sz="2800">
+                <a:solidFill>
+                  <a:srgbClr val="404040"/>
+                </a:solidFill>
+                <a:latin typeface="Calibri"/>
+                <a:ea typeface="Calibri"/>
+                <a:cs typeface="Calibri"/>
+                <a:sym typeface="Calibri"/>
+              </a:defRPr>
+            </a:lvl4pPr>
+            <a:lvl5pPr marL="1449670" indent="-383292">
+              <a:buClr>
+                <a:schemeClr val="accent1"/>
+              </a:buClr>
+              <a:buSzPct val="100000"/>
+              <a:buFont typeface="Trebuchet MS"/>
+              <a:buChar char="◦"/>
+              <a:defRPr cap="none" spc="0" sz="2800">
+                <a:solidFill>
+                  <a:srgbClr val="404040"/>
+                </a:solidFill>
+                <a:latin typeface="Calibri"/>
+                <a:ea typeface="Calibri"/>
+                <a:cs typeface="Calibri"/>
+                <a:sym typeface="Calibri"/>
+              </a:defRPr>
+            </a:lvl5pPr>
+          </a:lstStyle>
           <a:p>
             <a:pPr/>
             <a:r>
@@ -1656,7 +2006,7 @@
 </file>
 
 <file path=ppt/slideLayouts/slideLayout5.xml><?xml version="1.0" encoding="utf-8"?>
-<p:sldLayout xmlns:a="http://schemas.openxmlformats.org/drawingml/2006/main" xmlns:r="http://schemas.openxmlformats.org/officeDocument/2006/relationships" xmlns:p="http://schemas.openxmlformats.org/presentationml/2006/main" type="tx" showMasterSp="1" showMasterPhAnim="1">
+<p:sldLayout xmlns:a="http://schemas.openxmlformats.org/drawingml/2006/main" xmlns:r="http://schemas.openxmlformats.org/officeDocument/2006/relationships" xmlns:p="http://schemas.openxmlformats.org/presentationml/2006/main" type="tx" showMasterSp="0" showMasterPhAnim="1">
   <p:cSld name="Comparison">
     <p:spTree>
       <p:nvGrpSpPr>
@@ -1674,20 +2024,132 @@
       </p:grpSpPr>
       <p:sp>
         <p:nvSpPr>
-          <p:cNvPr id="56" name="标题文本"/>
+          <p:cNvPr id="56" name="Rectangle 6"/>
+          <p:cNvSpPr/>
+          <p:nvPr/>
+        </p:nvSpPr>
+        <p:spPr>
+          <a:xfrm>
+            <a:off x="1" y="9103359"/>
+            <a:ext cx="13004802" cy="650242"/>
+          </a:xfrm>
+          <a:prstGeom prst="rect">
+            <a:avLst/>
+          </a:prstGeom>
+          <a:solidFill>
+            <a:schemeClr val="accent2"/>
+          </a:solidFill>
+          <a:ln w="12700">
+            <a:miter lim="400000"/>
+          </a:ln>
+        </p:spPr>
+        <p:txBody>
+          <a:bodyPr lIns="45718" tIns="45718" rIns="45718" bIns="45718"/>
+          <a:lstStyle/>
+          <a:p>
+            <a:pPr>
+              <a:defRPr>
+                <a:latin typeface="Calibri"/>
+                <a:ea typeface="Calibri"/>
+                <a:cs typeface="Calibri"/>
+                <a:sym typeface="Calibri"/>
+              </a:defRPr>
+            </a:pPr>
+          </a:p>
+        </p:txBody>
+      </p:sp>
+      <p:sp>
+        <p:nvSpPr>
+          <p:cNvPr id="57" name="Rectangle 8"/>
+          <p:cNvSpPr/>
+          <p:nvPr/>
+        </p:nvSpPr>
+        <p:spPr>
+          <a:xfrm>
+            <a:off x="1" y="9008804"/>
+            <a:ext cx="13004802" cy="93867"/>
+          </a:xfrm>
+          <a:prstGeom prst="rect">
+            <a:avLst/>
+          </a:prstGeom>
+          <a:solidFill>
+            <a:schemeClr val="accent1"/>
+          </a:solidFill>
+          <a:ln w="12700">
+            <a:miter lim="400000"/>
+          </a:ln>
+        </p:spPr>
+        <p:txBody>
+          <a:bodyPr lIns="45718" tIns="45718" rIns="45718" bIns="45718"/>
+          <a:lstStyle/>
+          <a:p>
+            <a:pPr>
+              <a:defRPr>
+                <a:latin typeface="Calibri"/>
+                <a:ea typeface="Calibri"/>
+                <a:cs typeface="Calibri"/>
+                <a:sym typeface="Calibri"/>
+              </a:defRPr>
+            </a:pPr>
+          </a:p>
+        </p:txBody>
+      </p:sp>
+      <p:sp>
+        <p:nvSpPr>
+          <p:cNvPr id="58" name="Straight Connector 9"/>
+          <p:cNvSpPr/>
+          <p:nvPr/>
+        </p:nvSpPr>
+        <p:spPr>
+          <a:xfrm>
+            <a:off x="1273100" y="2471602"/>
+            <a:ext cx="10631426" cy="2"/>
+          </a:xfrm>
+          <a:prstGeom prst="line">
+            <a:avLst/>
+          </a:prstGeom>
+          <a:ln w="6350">
+            <a:solidFill>
+              <a:srgbClr val="808080"/>
+            </a:solidFill>
+          </a:ln>
+        </p:spPr>
+        <p:txBody>
+          <a:bodyPr lIns="45718" tIns="45718" rIns="45718" bIns="45718"/>
+          <a:lstStyle/>
+          <a:p>
+            <a:pPr/>
+          </a:p>
+        </p:txBody>
+      </p:sp>
+      <p:sp>
+        <p:nvSpPr>
+          <p:cNvPr id="59" name="标题文本"/>
           <p:cNvSpPr txBox="1"/>
           <p:nvPr>
             <p:ph type="title"/>
           </p:nvPr>
         </p:nvSpPr>
         <p:spPr>
+          <a:xfrm>
+            <a:off x="1170432" y="407613"/>
+            <a:ext cx="10728960" cy="2063302"/>
+          </a:xfrm>
           <a:prstGeom prst="rect">
             <a:avLst/>
           </a:prstGeom>
         </p:spPr>
         <p:txBody>
           <a:bodyPr/>
-          <a:lstStyle/>
+          <a:lstStyle>
+            <a:lvl1pPr>
+              <a:defRPr spc="-71" sz="6800">
+                <a:solidFill>
+                  <a:srgbClr val="404040"/>
+                </a:solidFill>
+              </a:defRPr>
+            </a:lvl1pPr>
+          </a:lstStyle>
           <a:p>
             <a:pPr/>
             <a:r>
@@ -1698,7 +2160,7 @@
       </p:sp>
       <p:sp>
         <p:nvSpPr>
-          <p:cNvPr id="57" name="正文级别 1…"/>
+          <p:cNvPr id="60" name="正文级别 1…"/>
           <p:cNvSpPr txBox="1"/>
           <p:nvPr>
             <p:ph type="body" sz="quarter" idx="1"/>
@@ -1706,69 +2168,54 @@
         </p:nvSpPr>
         <p:spPr>
           <a:xfrm>
-            <a:off x="1170432" y="2625495"/>
-            <a:ext cx="5266945" cy="1047158"/>
-          </a:xfrm>
-          <a:prstGeom prst="rect">
-            <a:avLst/>
-          </a:prstGeom>
-        </p:spPr>
-        <p:txBody>
-          <a:bodyPr lIns="45719" tIns="45719" rIns="45719" bIns="45719" anchor="ctr"/>
+            <a:off x="1170432" y="2625494"/>
+            <a:ext cx="5266946" cy="1047159"/>
+          </a:xfrm>
+          <a:prstGeom prst="rect">
+            <a:avLst/>
+          </a:prstGeom>
+        </p:spPr>
+        <p:txBody>
+          <a:bodyPr anchor="ctr"/>
           <a:lstStyle>
-            <a:lvl1pPr marL="0" indent="0">
-              <a:buClrTx/>
-              <a:buSzTx/>
-              <a:buFontTx/>
-              <a:buNone/>
-              <a:defRPr cap="all">
-                <a:solidFill>
-                  <a:srgbClr val="637052"/>
-                </a:solidFill>
+            <a:lvl1pPr>
+              <a:defRPr spc="0" sz="2800">
+                <a:latin typeface="Calibri"/>
+                <a:ea typeface="Calibri"/>
+                <a:cs typeface="Calibri"/>
+                <a:sym typeface="Calibri"/>
               </a:defRPr>
             </a:lvl1pPr>
-            <a:lvl2pPr marL="0" indent="650229">
-              <a:buClrTx/>
-              <a:buSzTx/>
-              <a:buFontTx/>
-              <a:buNone/>
-              <a:defRPr cap="all">
-                <a:solidFill>
-                  <a:srgbClr val="637052"/>
-                </a:solidFill>
+            <a:lvl2pPr>
+              <a:defRPr spc="0" sz="2800">
+                <a:latin typeface="Calibri"/>
+                <a:ea typeface="Calibri"/>
+                <a:cs typeface="Calibri"/>
+                <a:sym typeface="Calibri"/>
               </a:defRPr>
             </a:lvl2pPr>
-            <a:lvl3pPr marL="0" indent="1300459">
-              <a:buClrTx/>
-              <a:buSzTx/>
-              <a:buFontTx/>
-              <a:buNone/>
-              <a:defRPr cap="all">
-                <a:solidFill>
-                  <a:srgbClr val="637052"/>
-                </a:solidFill>
+            <a:lvl3pPr>
+              <a:defRPr spc="0" sz="2800">
+                <a:latin typeface="Calibri"/>
+                <a:ea typeface="Calibri"/>
+                <a:cs typeface="Calibri"/>
+                <a:sym typeface="Calibri"/>
               </a:defRPr>
             </a:lvl3pPr>
-            <a:lvl4pPr marL="0" indent="1950690">
-              <a:buClrTx/>
-              <a:buSzTx/>
-              <a:buFontTx/>
-              <a:buNone/>
-              <a:defRPr cap="all">
-                <a:solidFill>
-                  <a:srgbClr val="637052"/>
-                </a:solidFill>
+            <a:lvl4pPr>
+              <a:defRPr spc="0" sz="2800">
+                <a:latin typeface="Calibri"/>
+                <a:ea typeface="Calibri"/>
+                <a:cs typeface="Calibri"/>
+                <a:sym typeface="Calibri"/>
               </a:defRPr>
             </a:lvl4pPr>
-            <a:lvl5pPr marL="0" indent="2600918">
-              <a:buClrTx/>
-              <a:buSzTx/>
-              <a:buFontTx/>
-              <a:buNone/>
-              <a:defRPr cap="all">
-                <a:solidFill>
-                  <a:srgbClr val="637052"/>
-                </a:solidFill>
+            <a:lvl5pPr>
+              <a:defRPr spc="0" sz="2800">
+                <a:latin typeface="Calibri"/>
+                <a:ea typeface="Calibri"/>
+                <a:cs typeface="Calibri"/>
+                <a:sym typeface="Calibri"/>
               </a:defRPr>
             </a:lvl5pPr>
           </a:lstStyle>
@@ -1806,7 +2253,7 @@
       </p:sp>
       <p:sp>
         <p:nvSpPr>
-          <p:cNvPr id="58" name="Text Placeholder 4"/>
+          <p:cNvPr id="61" name="Text Placeholder 4"/>
           <p:cNvSpPr/>
           <p:nvPr>
             <p:ph type="body" sz="quarter" idx="13"/>
@@ -1814,26 +2261,32 @@
         </p:nvSpPr>
         <p:spPr>
           <a:xfrm>
-            <a:off x="6632447" y="2625495"/>
-            <a:ext cx="5266945" cy="1047158"/>
-          </a:xfrm>
-          <a:prstGeom prst="rect">
-            <a:avLst/>
-          </a:prstGeom>
-        </p:spPr>
-        <p:txBody>
-          <a:bodyPr lIns="45719" tIns="45719" rIns="45719" bIns="45719" anchor="ctr"/>
+            <a:off x="6632447" y="2625494"/>
+            <a:ext cx="5266946" cy="1047159"/>
+          </a:xfrm>
+          <a:prstGeom prst="rect">
+            <a:avLst/>
+          </a:prstGeom>
+        </p:spPr>
+        <p:txBody>
+          <a:bodyPr anchor="ctr"/>
           <a:lstStyle/>
           <a:p>
-            <a:pPr marL="0" indent="0">
-              <a:buClrTx/>
-              <a:buSzTx/>
-              <a:buFontTx/>
-              <a:buNone/>
-              <a:defRPr cap="all">
+            <a:pPr marL="130045" indent="-130045">
+              <a:buClr>
+                <a:schemeClr val="accent1"/>
+              </a:buClr>
+              <a:buSzPct val="100000"/>
+              <a:buFont typeface="Trebuchet MS"/>
+              <a:buChar char=" "/>
+              <a:defRPr cap="none" spc="0" sz="2800">
                 <a:solidFill>
-                  <a:srgbClr val="637052"/>
+                  <a:srgbClr val="404040"/>
                 </a:solidFill>
+                <a:latin typeface="Calibri"/>
+                <a:ea typeface="Calibri"/>
+                <a:cs typeface="Calibri"/>
+                <a:sym typeface="Calibri"/>
               </a:defRPr>
             </a:pPr>
           </a:p>
@@ -1841,7 +2294,7 @@
       </p:sp>
       <p:sp>
         <p:nvSpPr>
-          <p:cNvPr id="59" name="幻灯片编号"/>
+          <p:cNvPr id="62" name="幻灯片编号"/>
           <p:cNvSpPr txBox="1"/>
           <p:nvPr>
             <p:ph type="sldNum" sz="quarter" idx="2"/>
@@ -1871,7 +2324,7 @@
 </file>
 
 <file path=ppt/slideLayouts/slideLayout6.xml><?xml version="1.0" encoding="utf-8"?>
-<p:sldLayout xmlns:a="http://schemas.openxmlformats.org/drawingml/2006/main" xmlns:r="http://schemas.openxmlformats.org/officeDocument/2006/relationships" xmlns:p="http://schemas.openxmlformats.org/presentationml/2006/main" type="tx" showMasterSp="1" showMasterPhAnim="1">
+<p:sldLayout xmlns:a="http://schemas.openxmlformats.org/drawingml/2006/main" xmlns:r="http://schemas.openxmlformats.org/officeDocument/2006/relationships" xmlns:p="http://schemas.openxmlformats.org/presentationml/2006/main" type="tx" showMasterSp="0" showMasterPhAnim="1">
   <p:cSld name="Title Only">
     <p:spTree>
       <p:nvGrpSpPr>
@@ -1889,20 +2342,132 @@
       </p:grpSpPr>
       <p:sp>
         <p:nvSpPr>
-          <p:cNvPr id="66" name="标题文本"/>
+          <p:cNvPr id="69" name="Rectangle 6"/>
+          <p:cNvSpPr/>
+          <p:nvPr/>
+        </p:nvSpPr>
+        <p:spPr>
+          <a:xfrm>
+            <a:off x="1" y="9103359"/>
+            <a:ext cx="13004802" cy="650242"/>
+          </a:xfrm>
+          <a:prstGeom prst="rect">
+            <a:avLst/>
+          </a:prstGeom>
+          <a:solidFill>
+            <a:schemeClr val="accent2"/>
+          </a:solidFill>
+          <a:ln w="12700">
+            <a:miter lim="400000"/>
+          </a:ln>
+        </p:spPr>
+        <p:txBody>
+          <a:bodyPr lIns="45718" tIns="45718" rIns="45718" bIns="45718"/>
+          <a:lstStyle/>
+          <a:p>
+            <a:pPr>
+              <a:defRPr>
+                <a:latin typeface="Calibri"/>
+                <a:ea typeface="Calibri"/>
+                <a:cs typeface="Calibri"/>
+                <a:sym typeface="Calibri"/>
+              </a:defRPr>
+            </a:pPr>
+          </a:p>
+        </p:txBody>
+      </p:sp>
+      <p:sp>
+        <p:nvSpPr>
+          <p:cNvPr id="70" name="Rectangle 8"/>
+          <p:cNvSpPr/>
+          <p:nvPr/>
+        </p:nvSpPr>
+        <p:spPr>
+          <a:xfrm>
+            <a:off x="1" y="9008804"/>
+            <a:ext cx="13004802" cy="93867"/>
+          </a:xfrm>
+          <a:prstGeom prst="rect">
+            <a:avLst/>
+          </a:prstGeom>
+          <a:solidFill>
+            <a:schemeClr val="accent1"/>
+          </a:solidFill>
+          <a:ln w="12700">
+            <a:miter lim="400000"/>
+          </a:ln>
+        </p:spPr>
+        <p:txBody>
+          <a:bodyPr lIns="45718" tIns="45718" rIns="45718" bIns="45718"/>
+          <a:lstStyle/>
+          <a:p>
+            <a:pPr>
+              <a:defRPr>
+                <a:latin typeface="Calibri"/>
+                <a:ea typeface="Calibri"/>
+                <a:cs typeface="Calibri"/>
+                <a:sym typeface="Calibri"/>
+              </a:defRPr>
+            </a:pPr>
+          </a:p>
+        </p:txBody>
+      </p:sp>
+      <p:sp>
+        <p:nvSpPr>
+          <p:cNvPr id="71" name="Straight Connector 9"/>
+          <p:cNvSpPr/>
+          <p:nvPr/>
+        </p:nvSpPr>
+        <p:spPr>
+          <a:xfrm>
+            <a:off x="1273100" y="2471602"/>
+            <a:ext cx="10631426" cy="2"/>
+          </a:xfrm>
+          <a:prstGeom prst="line">
+            <a:avLst/>
+          </a:prstGeom>
+          <a:ln w="6350">
+            <a:solidFill>
+              <a:srgbClr val="808080"/>
+            </a:solidFill>
+          </a:ln>
+        </p:spPr>
+        <p:txBody>
+          <a:bodyPr lIns="45718" tIns="45718" rIns="45718" bIns="45718"/>
+          <a:lstStyle/>
+          <a:p>
+            <a:pPr/>
+          </a:p>
+        </p:txBody>
+      </p:sp>
+      <p:sp>
+        <p:nvSpPr>
+          <p:cNvPr id="72" name="标题文本"/>
           <p:cNvSpPr txBox="1"/>
           <p:nvPr>
             <p:ph type="title"/>
           </p:nvPr>
         </p:nvSpPr>
         <p:spPr>
+          <a:xfrm>
+            <a:off x="1170432" y="407613"/>
+            <a:ext cx="10728960" cy="2063302"/>
+          </a:xfrm>
           <a:prstGeom prst="rect">
             <a:avLst/>
           </a:prstGeom>
         </p:spPr>
         <p:txBody>
           <a:bodyPr/>
-          <a:lstStyle/>
+          <a:lstStyle>
+            <a:lvl1pPr>
+              <a:defRPr spc="-71" sz="6800">
+                <a:solidFill>
+                  <a:srgbClr val="404040"/>
+                </a:solidFill>
+              </a:defRPr>
+            </a:lvl1pPr>
+          </a:lstStyle>
           <a:p>
             <a:pPr/>
             <a:r>
@@ -1913,7 +2478,7 @@
       </p:sp>
       <p:sp>
         <p:nvSpPr>
-          <p:cNvPr id="67" name="幻灯片编号"/>
+          <p:cNvPr id="73" name="幻灯片编号"/>
           <p:cNvSpPr txBox="1"/>
           <p:nvPr>
             <p:ph type="sldNum" sz="quarter" idx="2"/>
@@ -1961,14 +2526,14 @@
       </p:grpSpPr>
       <p:sp>
         <p:nvSpPr>
-          <p:cNvPr id="74" name="Rectangle 4"/>
+          <p:cNvPr id="80" name="Rectangle 4"/>
           <p:cNvSpPr/>
           <p:nvPr/>
         </p:nvSpPr>
         <p:spPr>
           <a:xfrm>
-            <a:off x="3387" y="9103359"/>
-            <a:ext cx="13001416" cy="650241"/>
+            <a:off x="3386" y="9103359"/>
+            <a:ext cx="13001418" cy="650242"/>
           </a:xfrm>
           <a:prstGeom prst="rect">
             <a:avLst/>
@@ -1981,23 +2546,30 @@
           </a:ln>
         </p:spPr>
         <p:txBody>
-          <a:bodyPr lIns="45719" rIns="45719"/>
+          <a:bodyPr lIns="45718" tIns="45718" rIns="45718" bIns="45718"/>
           <a:lstStyle/>
           <a:p>
-            <a:pPr/>
-          </a:p>
-        </p:txBody>
-      </p:sp>
-      <p:sp>
-        <p:nvSpPr>
-          <p:cNvPr id="75" name="Rectangle 5"/>
+            <a:pPr>
+              <a:defRPr>
+                <a:latin typeface="Calibri"/>
+                <a:ea typeface="Calibri"/>
+                <a:cs typeface="Calibri"/>
+                <a:sym typeface="Calibri"/>
+              </a:defRPr>
+            </a:pPr>
+          </a:p>
+        </p:txBody>
+      </p:sp>
+      <p:sp>
+        <p:nvSpPr>
+          <p:cNvPr id="81" name="Rectangle 5"/>
           <p:cNvSpPr/>
           <p:nvPr/>
         </p:nvSpPr>
         <p:spPr>
           <a:xfrm>
-            <a:off x="17" y="9008805"/>
-            <a:ext cx="13001416" cy="91035"/>
+            <a:off x="16" y="9008805"/>
+            <a:ext cx="13001418" cy="91036"/>
           </a:xfrm>
           <a:prstGeom prst="rect">
             <a:avLst/>
@@ -2010,16 +2582,23 @@
           </a:ln>
         </p:spPr>
         <p:txBody>
-          <a:bodyPr lIns="45719" rIns="45719"/>
+          <a:bodyPr lIns="45718" tIns="45718" rIns="45718" bIns="45718"/>
           <a:lstStyle/>
           <a:p>
-            <a:pPr/>
-          </a:p>
-        </p:txBody>
-      </p:sp>
-      <p:sp>
-        <p:nvSpPr>
-          <p:cNvPr id="76" name="幻灯片编号"/>
+            <a:pPr>
+              <a:defRPr>
+                <a:latin typeface="Calibri"/>
+                <a:ea typeface="Calibri"/>
+                <a:cs typeface="Calibri"/>
+                <a:sym typeface="Calibri"/>
+              </a:defRPr>
+            </a:pPr>
+          </a:p>
+        </p:txBody>
+      </p:sp>
+      <p:sp>
+        <p:nvSpPr>
+          <p:cNvPr id="82" name="幻灯片编号"/>
           <p:cNvSpPr txBox="1"/>
           <p:nvPr>
             <p:ph type="sldNum" sz="quarter" idx="2"/>
@@ -2067,7 +2646,7 @@
       </p:grpSpPr>
       <p:sp>
         <p:nvSpPr>
-          <p:cNvPr id="83" name="Rectangle 7"/>
+          <p:cNvPr id="89" name="Rectangle 7"/>
           <p:cNvSpPr/>
           <p:nvPr/>
         </p:nvSpPr>
@@ -2087,23 +2666,30 @@
           </a:ln>
         </p:spPr>
         <p:txBody>
-          <a:bodyPr lIns="45719" rIns="45719"/>
+          <a:bodyPr lIns="45718" tIns="45718" rIns="45718" bIns="45718"/>
           <a:lstStyle/>
           <a:p>
-            <a:pPr/>
-          </a:p>
-        </p:txBody>
-      </p:sp>
-      <p:sp>
-        <p:nvSpPr>
-          <p:cNvPr id="84" name="Rectangle 8"/>
+            <a:pPr>
+              <a:defRPr>
+                <a:latin typeface="Calibri"/>
+                <a:ea typeface="Calibri"/>
+                <a:cs typeface="Calibri"/>
+                <a:sym typeface="Calibri"/>
+              </a:defRPr>
+            </a:pPr>
+          </a:p>
+        </p:txBody>
+      </p:sp>
+      <p:sp>
+        <p:nvSpPr>
+          <p:cNvPr id="90" name="Rectangle 8"/>
           <p:cNvSpPr/>
           <p:nvPr/>
         </p:nvSpPr>
         <p:spPr>
           <a:xfrm>
             <a:off x="4309409" y="0"/>
-            <a:ext cx="68276" cy="9753600"/>
+            <a:ext cx="68277" cy="9753600"/>
           </a:xfrm>
           <a:prstGeom prst="rect">
             <a:avLst/>
@@ -2116,16 +2702,23 @@
           </a:ln>
         </p:spPr>
         <p:txBody>
-          <a:bodyPr lIns="45719" rIns="45719"/>
+          <a:bodyPr lIns="45718" tIns="45718" rIns="45718" bIns="45718"/>
           <a:lstStyle/>
           <a:p>
-            <a:pPr/>
-          </a:p>
-        </p:txBody>
-      </p:sp>
-      <p:sp>
-        <p:nvSpPr>
-          <p:cNvPr id="85" name="标题文本"/>
+            <a:pPr>
+              <a:defRPr>
+                <a:latin typeface="Calibri"/>
+                <a:ea typeface="Calibri"/>
+                <a:cs typeface="Calibri"/>
+                <a:sym typeface="Calibri"/>
+              </a:defRPr>
+            </a:pPr>
+          </a:p>
+        </p:txBody>
+      </p:sp>
+      <p:sp>
+        <p:nvSpPr>
+          <p:cNvPr id="91" name="标题文本"/>
           <p:cNvSpPr txBox="1"/>
           <p:nvPr>
             <p:ph type="title"/>
@@ -2134,7 +2727,7 @@
         <p:spPr>
           <a:xfrm>
             <a:off x="487680" y="845311"/>
-            <a:ext cx="3413760" cy="3251201"/>
+            <a:ext cx="3413760" cy="3251202"/>
           </a:xfrm>
           <a:prstGeom prst="rect">
             <a:avLst/>
@@ -2144,7 +2737,7 @@
           <a:bodyPr/>
           <a:lstStyle>
             <a:lvl1pPr>
-              <a:defRPr spc="-71" sz="5100">
+              <a:defRPr sz="5100">
                 <a:solidFill>
                   <a:srgbClr val="FFFFFF"/>
                 </a:solidFill>
@@ -2161,7 +2754,7 @@
       </p:sp>
       <p:sp>
         <p:nvSpPr>
-          <p:cNvPr id="86" name="正文级别 1…"/>
+          <p:cNvPr id="92" name="正文级别 1…"/>
           <p:cNvSpPr txBox="1"/>
           <p:nvPr>
             <p:ph type="body" idx="1"/>
@@ -2177,8 +2770,94 @@
           </a:prstGeom>
         </p:spPr>
         <p:txBody>
-          <a:bodyPr/>
-          <a:lstStyle/>
+          <a:bodyPr lIns="0" tIns="0" rIns="0" bIns="0"/>
+          <a:lstStyle>
+            <a:lvl1pPr marL="130045" indent="-130045">
+              <a:buClr>
+                <a:schemeClr val="accent1"/>
+              </a:buClr>
+              <a:buSzPct val="100000"/>
+              <a:buFont typeface="Trebuchet MS"/>
+              <a:buChar char=" "/>
+              <a:defRPr cap="none" spc="0" sz="2800">
+                <a:solidFill>
+                  <a:srgbClr val="404040"/>
+                </a:solidFill>
+                <a:latin typeface="Calibri"/>
+                <a:ea typeface="Calibri"/>
+                <a:cs typeface="Calibri"/>
+                <a:sym typeface="Calibri"/>
+              </a:defRPr>
+            </a:lvl1pPr>
+            <a:lvl2pPr marL="577404" indent="-291303">
+              <a:buClr>
+                <a:schemeClr val="accent1"/>
+              </a:buClr>
+              <a:buSzPct val="100000"/>
+              <a:buFont typeface="Trebuchet MS"/>
+              <a:buChar char="◦"/>
+              <a:defRPr cap="none" spc="0" sz="2800">
+                <a:solidFill>
+                  <a:srgbClr val="404040"/>
+                </a:solidFill>
+                <a:latin typeface="Calibri"/>
+                <a:ea typeface="Calibri"/>
+                <a:cs typeface="Calibri"/>
+                <a:sym typeface="Calibri"/>
+              </a:defRPr>
+            </a:lvl2pPr>
+            <a:lvl3pPr marL="929485" indent="-383292">
+              <a:buClr>
+                <a:schemeClr val="accent1"/>
+              </a:buClr>
+              <a:buSzPct val="100000"/>
+              <a:buFont typeface="Trebuchet MS"/>
+              <a:buChar char="◦"/>
+              <a:defRPr cap="none" spc="0" sz="2800">
+                <a:solidFill>
+                  <a:srgbClr val="404040"/>
+                </a:solidFill>
+                <a:latin typeface="Calibri"/>
+                <a:ea typeface="Calibri"/>
+                <a:cs typeface="Calibri"/>
+                <a:sym typeface="Calibri"/>
+              </a:defRPr>
+            </a:lvl3pPr>
+            <a:lvl4pPr marL="1189577" indent="-383292">
+              <a:buClr>
+                <a:schemeClr val="accent1"/>
+              </a:buClr>
+              <a:buSzPct val="100000"/>
+              <a:buFont typeface="Trebuchet MS"/>
+              <a:buChar char="◦"/>
+              <a:defRPr cap="none" spc="0" sz="2800">
+                <a:solidFill>
+                  <a:srgbClr val="404040"/>
+                </a:solidFill>
+                <a:latin typeface="Calibri"/>
+                <a:ea typeface="Calibri"/>
+                <a:cs typeface="Calibri"/>
+                <a:sym typeface="Calibri"/>
+              </a:defRPr>
+            </a:lvl4pPr>
+            <a:lvl5pPr marL="1449670" indent="-383292">
+              <a:buClr>
+                <a:schemeClr val="accent1"/>
+              </a:buClr>
+              <a:buSzPct val="100000"/>
+              <a:buFont typeface="Trebuchet MS"/>
+              <a:buChar char="◦"/>
+              <a:defRPr cap="none" spc="0" sz="2800">
+                <a:solidFill>
+                  <a:srgbClr val="404040"/>
+                </a:solidFill>
+                <a:latin typeface="Calibri"/>
+                <a:ea typeface="Calibri"/>
+                <a:cs typeface="Calibri"/>
+                <a:sym typeface="Calibri"/>
+              </a:defRPr>
+            </a:lvl5pPr>
+          </a:lstStyle>
           <a:p>
             <a:pPr/>
             <a:r>
@@ -2213,7 +2892,7 @@
       </p:sp>
       <p:sp>
         <p:nvSpPr>
-          <p:cNvPr id="87" name="Text Placeholder 3"/>
+          <p:cNvPr id="93" name="Text Placeholder 3"/>
           <p:cNvSpPr/>
           <p:nvPr>
             <p:ph type="body" sz="quarter" idx="13"/>
@@ -2221,26 +2900,32 @@
         </p:nvSpPr>
         <p:spPr>
           <a:xfrm>
-            <a:off x="487679" y="4161535"/>
-            <a:ext cx="3413761" cy="4805866"/>
-          </a:xfrm>
-          <a:prstGeom prst="rect">
-            <a:avLst/>
-          </a:prstGeom>
-        </p:spPr>
-        <p:txBody>
-          <a:bodyPr lIns="45719" tIns="45719" rIns="45719" bIns="45719"/>
+            <a:off x="487678" y="4161535"/>
+            <a:ext cx="3413763" cy="4805867"/>
+          </a:xfrm>
+          <a:prstGeom prst="rect">
+            <a:avLst/>
+          </a:prstGeom>
+        </p:spPr>
+        <p:txBody>
+          <a:bodyPr/>
           <a:lstStyle/>
           <a:p>
-            <a:pPr marL="0" indent="0">
-              <a:buClrTx/>
-              <a:buSzTx/>
-              <a:buFontTx/>
-              <a:buNone/>
-              <a:defRPr sz="2100">
+            <a:pPr marL="130045" indent="-130045">
+              <a:buClr>
+                <a:schemeClr val="accent1"/>
+              </a:buClr>
+              <a:buSzPct val="100000"/>
+              <a:buFont typeface="Trebuchet MS"/>
+              <a:buChar char=" "/>
+              <a:defRPr cap="none" spc="0" sz="2800">
                 <a:solidFill>
-                  <a:srgbClr val="FFFFFF"/>
+                  <a:srgbClr val="404040"/>
                 </a:solidFill>
+                <a:latin typeface="Calibri"/>
+                <a:ea typeface="Calibri"/>
+                <a:cs typeface="Calibri"/>
+                <a:sym typeface="Calibri"/>
               </a:defRPr>
             </a:pPr>
           </a:p>
@@ -2248,7 +2933,7 @@
       </p:sp>
       <p:sp>
         <p:nvSpPr>
-          <p:cNvPr id="88" name="幻灯片编号"/>
+          <p:cNvPr id="94" name="幻灯片编号"/>
           <p:cNvSpPr txBox="1"/>
           <p:nvPr>
             <p:ph type="sldNum" sz="quarter" idx="2"/>
@@ -2304,14 +2989,14 @@
       </p:grpSpPr>
       <p:sp>
         <p:nvSpPr>
-          <p:cNvPr id="95" name="Rectangle 7"/>
+          <p:cNvPr id="101" name="Rectangle 7"/>
           <p:cNvSpPr/>
           <p:nvPr/>
         </p:nvSpPr>
         <p:spPr>
           <a:xfrm>
-            <a:off x="0" y="7044266"/>
-            <a:ext cx="13001416" cy="2709334"/>
+            <a:off x="-1" y="7044266"/>
+            <a:ext cx="13001418" cy="2709335"/>
           </a:xfrm>
           <a:prstGeom prst="rect">
             <a:avLst/>
@@ -2324,23 +3009,30 @@
           </a:ln>
         </p:spPr>
         <p:txBody>
-          <a:bodyPr lIns="45719" rIns="45719"/>
+          <a:bodyPr lIns="45718" tIns="45718" rIns="45718" bIns="45718"/>
           <a:lstStyle/>
           <a:p>
-            <a:pPr/>
-          </a:p>
-        </p:txBody>
-      </p:sp>
-      <p:sp>
-        <p:nvSpPr>
-          <p:cNvPr id="96" name="Rectangle 8"/>
+            <a:pPr>
+              <a:defRPr>
+                <a:latin typeface="Calibri"/>
+                <a:ea typeface="Calibri"/>
+                <a:cs typeface="Calibri"/>
+                <a:sym typeface="Calibri"/>
+              </a:defRPr>
+            </a:pPr>
+          </a:p>
+        </p:txBody>
+      </p:sp>
+      <p:sp>
+        <p:nvSpPr>
+          <p:cNvPr id="102" name="Rectangle 8"/>
           <p:cNvSpPr/>
           <p:nvPr/>
         </p:nvSpPr>
         <p:spPr>
           <a:xfrm>
-            <a:off x="17" y="6990329"/>
-            <a:ext cx="13001416" cy="91035"/>
+            <a:off x="16" y="6990329"/>
+            <a:ext cx="13001418" cy="91036"/>
           </a:xfrm>
           <a:prstGeom prst="rect">
             <a:avLst/>
@@ -2353,16 +3045,23 @@
           </a:ln>
         </p:spPr>
         <p:txBody>
-          <a:bodyPr lIns="45719" rIns="45719"/>
+          <a:bodyPr lIns="45718" tIns="45718" rIns="45718" bIns="45718"/>
           <a:lstStyle/>
           <a:p>
-            <a:pPr/>
-          </a:p>
-        </p:txBody>
-      </p:sp>
-      <p:sp>
-        <p:nvSpPr>
-          <p:cNvPr id="97" name="标题文本"/>
+            <a:pPr>
+              <a:defRPr>
+                <a:latin typeface="Calibri"/>
+                <a:ea typeface="Calibri"/>
+                <a:cs typeface="Calibri"/>
+                <a:sym typeface="Calibri"/>
+              </a:defRPr>
+            </a:pPr>
+          </a:p>
+        </p:txBody>
+      </p:sp>
+      <p:sp>
+        <p:nvSpPr>
+          <p:cNvPr id="103" name="标题文本"/>
           <p:cNvSpPr txBox="1"/>
           <p:nvPr>
             <p:ph type="title"/>
@@ -2371,7 +3070,7 @@
         <p:spPr>
           <a:xfrm>
             <a:off x="1170432" y="7217664"/>
-            <a:ext cx="10793984" cy="1170433"/>
+            <a:ext cx="10793984" cy="1170434"/>
           </a:xfrm>
           <a:prstGeom prst="rect">
             <a:avLst/>
@@ -2381,7 +3080,7 @@
           <a:bodyPr lIns="0" tIns="0" rIns="0" bIns="0"/>
           <a:lstStyle>
             <a:lvl1pPr>
-              <a:defRPr spc="-71" sz="5100">
+              <a:defRPr sz="5100">
                 <a:solidFill>
                   <a:srgbClr val="FFFFFF"/>
                 </a:solidFill>
@@ -2398,7 +3097,7 @@
       </p:sp>
       <p:sp>
         <p:nvSpPr>
-          <p:cNvPr id="98" name="Picture Placeholder 2"/>
+          <p:cNvPr id="104" name="Picture Placeholder 2"/>
           <p:cNvSpPr/>
           <p:nvPr>
             <p:ph type="pic" idx="13"/>
@@ -2407,7 +3106,7 @@
         <p:spPr>
           <a:xfrm>
             <a:off x="17" y="0"/>
-            <a:ext cx="13004785" cy="6990330"/>
+            <a:ext cx="13004786" cy="6990330"/>
           </a:xfrm>
           <a:prstGeom prst="rect">
             <a:avLst/>
@@ -2425,7 +3124,7 @@
       </p:sp>
       <p:sp>
         <p:nvSpPr>
-          <p:cNvPr id="99" name="正文级别 1…"/>
+          <p:cNvPr id="105" name="正文级别 1…"/>
           <p:cNvSpPr txBox="1"/>
           <p:nvPr>
             <p:ph type="body" sz="quarter" idx="1"/>
@@ -2434,83 +3133,83 @@
         <p:spPr>
           <a:xfrm>
             <a:off x="1170430" y="8401101"/>
-            <a:ext cx="10793985" cy="845313"/>
-          </a:xfrm>
-          <a:prstGeom prst="rect">
-            <a:avLst/>
-          </a:prstGeom>
-        </p:spPr>
-        <p:txBody>
-          <a:bodyPr/>
+            <a:ext cx="10793986" cy="845314"/>
+          </a:xfrm>
+          <a:prstGeom prst="rect">
+            <a:avLst/>
+          </a:prstGeom>
+        </p:spPr>
+        <p:txBody>
+          <a:bodyPr lIns="0" tIns="0" rIns="0" bIns="0"/>
           <a:lstStyle>
-            <a:lvl1pPr marL="0" indent="0">
+            <a:lvl1pPr>
               <a:spcBef>
                 <a:spcPts val="800"/>
               </a:spcBef>
-              <a:buClrTx/>
-              <a:buSzTx/>
-              <a:buFontTx/>
-              <a:buNone/>
-              <a:defRPr sz="2100">
+              <a:defRPr cap="none" spc="0" sz="2100">
                 <a:solidFill>
                   <a:srgbClr val="FFFFFF"/>
                 </a:solidFill>
+                <a:latin typeface="Calibri"/>
+                <a:ea typeface="Calibri"/>
+                <a:cs typeface="Calibri"/>
+                <a:sym typeface="Calibri"/>
               </a:defRPr>
             </a:lvl1pPr>
-            <a:lvl2pPr marL="0" indent="650229">
+            <a:lvl2pPr>
               <a:spcBef>
                 <a:spcPts val="800"/>
               </a:spcBef>
-              <a:buClrTx/>
-              <a:buSzTx/>
-              <a:buFontTx/>
-              <a:buNone/>
-              <a:defRPr sz="2100">
+              <a:defRPr cap="none" spc="0" sz="2100">
                 <a:solidFill>
                   <a:srgbClr val="FFFFFF"/>
                 </a:solidFill>
+                <a:latin typeface="Calibri"/>
+                <a:ea typeface="Calibri"/>
+                <a:cs typeface="Calibri"/>
+                <a:sym typeface="Calibri"/>
               </a:defRPr>
             </a:lvl2pPr>
-            <a:lvl3pPr marL="0" indent="1300459">
+            <a:lvl3pPr>
               <a:spcBef>
                 <a:spcPts val="800"/>
               </a:spcBef>
-              <a:buClrTx/>
-              <a:buSzTx/>
-              <a:buFontTx/>
-              <a:buNone/>
-              <a:defRPr sz="2100">
+              <a:defRPr cap="none" spc="0" sz="2100">
                 <a:solidFill>
                   <a:srgbClr val="FFFFFF"/>
                 </a:solidFill>
+                <a:latin typeface="Calibri"/>
+                <a:ea typeface="Calibri"/>
+                <a:cs typeface="Calibri"/>
+                <a:sym typeface="Calibri"/>
               </a:defRPr>
             </a:lvl3pPr>
-            <a:lvl4pPr marL="0" indent="1950690">
+            <a:lvl4pPr>
               <a:spcBef>
                 <a:spcPts val="800"/>
               </a:spcBef>
-              <a:buClrTx/>
-              <a:buSzTx/>
-              <a:buFontTx/>
-              <a:buNone/>
-              <a:defRPr sz="2100">
+              <a:defRPr cap="none" spc="0" sz="2100">
                 <a:solidFill>
                   <a:srgbClr val="FFFFFF"/>
                 </a:solidFill>
+                <a:latin typeface="Calibri"/>
+                <a:ea typeface="Calibri"/>
+                <a:cs typeface="Calibri"/>
+                <a:sym typeface="Calibri"/>
               </a:defRPr>
             </a:lvl4pPr>
-            <a:lvl5pPr marL="0" indent="2600918">
+            <a:lvl5pPr>
               <a:spcBef>
                 <a:spcPts val="800"/>
               </a:spcBef>
-              <a:buClrTx/>
-              <a:buSzTx/>
-              <a:buFontTx/>
-              <a:buNone/>
-              <a:defRPr sz="2100">
+              <a:defRPr cap="none" spc="0" sz="2100">
                 <a:solidFill>
                   <a:srgbClr val="FFFFFF"/>
                 </a:solidFill>
+                <a:latin typeface="Calibri"/>
+                <a:ea typeface="Calibri"/>
+                <a:cs typeface="Calibri"/>
+                <a:sym typeface="Calibri"/>
               </a:defRPr>
             </a:lvl5pPr>
           </a:lstStyle>
@@ -2548,7 +3247,7 @@
       </p:sp>
       <p:sp>
         <p:nvSpPr>
-          <p:cNvPr id="100" name="幻灯片编号"/>
+          <p:cNvPr id="106" name="幻灯片编号"/>
           <p:cNvSpPr txBox="1"/>
           <p:nvPr>
             <p:ph type="sldNum" sz="quarter" idx="2"/>
@@ -2609,8 +3308,8 @@
         </p:nvSpPr>
         <p:spPr>
           <a:xfrm>
-            <a:off x="1" y="9103359"/>
-            <a:ext cx="13004802" cy="650241"/>
+            <a:off x="3386" y="9103359"/>
+            <a:ext cx="13001418" cy="650242"/>
           </a:xfrm>
           <a:prstGeom prst="rect">
             <a:avLst/>
@@ -2623,23 +3322,30 @@
           </a:ln>
         </p:spPr>
         <p:txBody>
-          <a:bodyPr lIns="45719" rIns="45719"/>
+          <a:bodyPr lIns="45718" tIns="45718" rIns="45718" bIns="45718"/>
           <a:lstStyle/>
           <a:p>
-            <a:pPr/>
-          </a:p>
-        </p:txBody>
-      </p:sp>
-      <p:sp>
-        <p:nvSpPr>
-          <p:cNvPr id="3" name="Rectangle 8"/>
+            <a:pPr>
+              <a:defRPr>
+                <a:latin typeface="Calibri"/>
+                <a:ea typeface="Calibri"/>
+                <a:cs typeface="Calibri"/>
+                <a:sym typeface="Calibri"/>
+              </a:defRPr>
+            </a:pPr>
+          </a:p>
+        </p:txBody>
+      </p:sp>
+      <p:sp>
+        <p:nvSpPr>
+          <p:cNvPr id="3" name="Rectangle 7"/>
           <p:cNvSpPr/>
           <p:nvPr/>
         </p:nvSpPr>
         <p:spPr>
           <a:xfrm>
-            <a:off x="1" y="9008804"/>
-            <a:ext cx="13004802" cy="93866"/>
+            <a:off x="16" y="9008805"/>
+            <a:ext cx="13001418" cy="91036"/>
           </a:xfrm>
           <a:prstGeom prst="rect">
             <a:avLst/>
@@ -2652,44 +3358,23 @@
           </a:ln>
         </p:spPr>
         <p:txBody>
-          <a:bodyPr lIns="45719" rIns="45719"/>
+          <a:bodyPr lIns="45718" tIns="45718" rIns="45718" bIns="45718"/>
           <a:lstStyle/>
           <a:p>
-            <a:pPr/>
-          </a:p>
-        </p:txBody>
-      </p:sp>
-      <p:sp>
-        <p:nvSpPr>
-          <p:cNvPr id="4" name="Straight Connector 9"/>
-          <p:cNvSpPr/>
-          <p:nvPr/>
-        </p:nvSpPr>
-        <p:spPr>
-          <a:xfrm>
-            <a:off x="1273101" y="2471602"/>
-            <a:ext cx="10631425" cy="1"/>
-          </a:xfrm>
-          <a:prstGeom prst="line">
-            <a:avLst/>
-          </a:prstGeom>
-          <a:ln w="6350">
-            <a:solidFill>
-              <a:srgbClr val="808080"/>
-            </a:solidFill>
-          </a:ln>
-        </p:spPr>
-        <p:txBody>
-          <a:bodyPr lIns="45719" rIns="45719"/>
-          <a:lstStyle/>
-          <a:p>
-            <a:pPr/>
-          </a:p>
-        </p:txBody>
-      </p:sp>
-      <p:sp>
-        <p:nvSpPr>
-          <p:cNvPr id="5" name="标题文本"/>
+            <a:pPr>
+              <a:defRPr>
+                <a:latin typeface="Calibri"/>
+                <a:ea typeface="Calibri"/>
+                <a:cs typeface="Calibri"/>
+                <a:sym typeface="Calibri"/>
+              </a:defRPr>
+            </a:pPr>
+          </a:p>
+        </p:txBody>
+      </p:sp>
+      <p:sp>
+        <p:nvSpPr>
+          <p:cNvPr id="4" name="标题文本"/>
           <p:cNvSpPr txBox="1"/>
           <p:nvPr>
             <p:ph type="title"/>
@@ -2697,8 +3382,8 @@
         </p:nvSpPr>
         <p:spPr>
           <a:xfrm>
-            <a:off x="1170432" y="407614"/>
-            <a:ext cx="10728960" cy="2063301"/>
+            <a:off x="1170432" y="1079397"/>
+            <a:ext cx="10728960" cy="5071873"/>
           </a:xfrm>
           <a:prstGeom prst="rect">
             <a:avLst/>
@@ -2713,7 +3398,7 @@
           </a:extLst>
         </p:spPr>
         <p:txBody>
-          <a:bodyPr lIns="45719" rIns="45719" anchor="b">
+          <a:bodyPr lIns="45718" tIns="45718" rIns="45718" bIns="45718" anchor="b">
             <a:normAutofit fontScale="100000" lnSpcReduction="0"/>
           </a:bodyPr>
           <a:lstStyle/>
@@ -2727,7 +3412,7 @@
       </p:sp>
       <p:sp>
         <p:nvSpPr>
-          <p:cNvPr id="6" name="正文级别 1…"/>
+          <p:cNvPr id="5" name="正文级别 1…"/>
           <p:cNvSpPr txBox="1"/>
           <p:nvPr>
             <p:ph type="body" idx="1"/>
@@ -2735,8 +3420,8 @@
         </p:nvSpPr>
         <p:spPr>
           <a:xfrm>
-            <a:off x="650240" y="2275840"/>
-            <a:ext cx="11704320" cy="6436925"/>
+            <a:off x="1173387" y="6336881"/>
+            <a:ext cx="10728960" cy="1625602"/>
           </a:xfrm>
           <a:prstGeom prst="rect">
             <a:avLst/>
@@ -2751,7 +3436,7 @@
           </a:extLst>
         </p:spPr>
         <p:txBody>
-          <a:bodyPr lIns="0" tIns="0" rIns="0" bIns="0">
+          <a:bodyPr lIns="45718" tIns="45718" rIns="45718" bIns="45718">
             <a:normAutofit fontScale="100000" lnSpcReduction="0"/>
           </a:bodyPr>
           <a:lstStyle/>
@@ -2784,6 +3469,34 @@
             <a:r>
               <a:t>正文级别 5</a:t>
             </a:r>
+          </a:p>
+        </p:txBody>
+      </p:sp>
+      <p:sp>
+        <p:nvSpPr>
+          <p:cNvPr id="6" name="Straight Connector 8"/>
+          <p:cNvSpPr/>
+          <p:nvPr/>
+        </p:nvSpPr>
+        <p:spPr>
+          <a:xfrm>
+            <a:off x="1288169" y="6177279"/>
+            <a:ext cx="10533890" cy="2"/>
+          </a:xfrm>
+          <a:prstGeom prst="line">
+            <a:avLst/>
+          </a:prstGeom>
+          <a:ln w="6350">
+            <a:solidFill>
+              <a:srgbClr val="808080"/>
+            </a:solidFill>
+          </a:ln>
+        </p:spPr>
+        <p:txBody>
+          <a:bodyPr lIns="45718" tIns="45718" rIns="45718" bIns="45718"/>
+          <a:lstStyle/>
+          <a:p>
+            <a:pPr/>
           </a:p>
         </p:txBody>
       </p:sp>
@@ -2797,8 +3510,8 @@
         </p:nvSpPr>
         <p:spPr>
           <a:xfrm>
-            <a:off x="11669362" y="9299576"/>
-            <a:ext cx="290623" cy="294641"/>
+            <a:off x="11669365" y="9299577"/>
+            <a:ext cx="290621" cy="294639"/>
           </a:xfrm>
           <a:prstGeom prst="rect">
             <a:avLst/>
@@ -2808,7 +3521,7 @@
           </a:ln>
         </p:spPr>
         <p:txBody>
-          <a:bodyPr wrap="none" lIns="45719" rIns="45719" anchor="ctr">
+          <a:bodyPr wrap="none" lIns="45718" tIns="45718" rIns="45718" bIns="45718" anchor="ctr">
             <a:spAutoFit/>
           </a:bodyPr>
           <a:lstStyle>
@@ -2817,6 +3530,10 @@
                 <a:solidFill>
                   <a:srgbClr val="FFFFFF"/>
                 </a:solidFill>
+                <a:latin typeface="Calibri"/>
+                <a:ea typeface="Calibri"/>
+                <a:cs typeface="Calibri"/>
+                <a:sym typeface="Calibri"/>
               </a:defRPr>
             </a:lvl1pPr>
           </a:lstStyle>
@@ -2845,7 +3562,7 @@
   <p:transition xmlns:p14="http://schemas.microsoft.com/office/powerpoint/2010/main" spd="med" advClick="1"/>
   <p:txStyles>
     <p:titleStyle>
-      <a:lvl1pPr marL="0" marR="0" indent="0" algn="l" defTabSz="1300459" rtl="0" latinLnBrk="0">
+      <a:lvl1pPr marL="0" marR="0" indent="0" algn="l" defTabSz="1300458" rtl="0" latinLnBrk="0">
         <a:lnSpc>
           <a:spcPct val="85000"/>
         </a:lnSpc>
@@ -2860,12 +3577,12 @@
         <a:buFontTx/>
         <a:buNone/>
         <a:tabLst/>
-        <a:defRPr b="0" baseline="0" cap="none" i="0" spc="-71" strike="noStrike" sz="6800" u="none">
+        <a:defRPr b="0" baseline="0" cap="none" i="0" spc="-71" strike="noStrike" sz="11300" u="none">
           <a:ln>
             <a:noFill/>
           </a:ln>
           <a:solidFill>
-            <a:srgbClr val="404040"/>
+            <a:srgbClr val="262626"/>
           </a:solidFill>
           <a:uFillTx/>
           <a:latin typeface="Calibri Light"/>
@@ -2874,7 +3591,7 @@
           <a:sym typeface="Calibri Light"/>
         </a:defRPr>
       </a:lvl1pPr>
-      <a:lvl2pPr marL="0" marR="0" indent="0" algn="l" defTabSz="1300459" rtl="0" latinLnBrk="0">
+      <a:lvl2pPr marL="0" marR="0" indent="0" algn="l" defTabSz="1300458" rtl="0" latinLnBrk="0">
         <a:lnSpc>
           <a:spcPct val="85000"/>
         </a:lnSpc>
@@ -2889,12 +3606,12 @@
         <a:buFontTx/>
         <a:buNone/>
         <a:tabLst/>
-        <a:defRPr b="0" baseline="0" cap="none" i="0" spc="-71" strike="noStrike" sz="6800" u="none">
+        <a:defRPr b="0" baseline="0" cap="none" i="0" spc="-71" strike="noStrike" sz="11300" u="none">
           <a:ln>
             <a:noFill/>
           </a:ln>
           <a:solidFill>
-            <a:srgbClr val="404040"/>
+            <a:srgbClr val="262626"/>
           </a:solidFill>
           <a:uFillTx/>
           <a:latin typeface="Calibri Light"/>
@@ -2903,7 +3620,7 @@
           <a:sym typeface="Calibri Light"/>
         </a:defRPr>
       </a:lvl2pPr>
-      <a:lvl3pPr marL="0" marR="0" indent="0" algn="l" defTabSz="1300459" rtl="0" latinLnBrk="0">
+      <a:lvl3pPr marL="0" marR="0" indent="0" algn="l" defTabSz="1300458" rtl="0" latinLnBrk="0">
         <a:lnSpc>
           <a:spcPct val="85000"/>
         </a:lnSpc>
@@ -2918,12 +3635,12 @@
         <a:buFontTx/>
         <a:buNone/>
         <a:tabLst/>
-        <a:defRPr b="0" baseline="0" cap="none" i="0" spc="-71" strike="noStrike" sz="6800" u="none">
+        <a:defRPr b="0" baseline="0" cap="none" i="0" spc="-71" strike="noStrike" sz="11300" u="none">
           <a:ln>
             <a:noFill/>
           </a:ln>
           <a:solidFill>
-            <a:srgbClr val="404040"/>
+            <a:srgbClr val="262626"/>
           </a:solidFill>
           <a:uFillTx/>
           <a:latin typeface="Calibri Light"/>
@@ -2932,7 +3649,7 @@
           <a:sym typeface="Calibri Light"/>
         </a:defRPr>
       </a:lvl3pPr>
-      <a:lvl4pPr marL="0" marR="0" indent="0" algn="l" defTabSz="1300459" rtl="0" latinLnBrk="0">
+      <a:lvl4pPr marL="0" marR="0" indent="0" algn="l" defTabSz="1300458" rtl="0" latinLnBrk="0">
         <a:lnSpc>
           <a:spcPct val="85000"/>
         </a:lnSpc>
@@ -2947,12 +3664,12 @@
         <a:buFontTx/>
         <a:buNone/>
         <a:tabLst/>
-        <a:defRPr b="0" baseline="0" cap="none" i="0" spc="-71" strike="noStrike" sz="6800" u="none">
+        <a:defRPr b="0" baseline="0" cap="none" i="0" spc="-71" strike="noStrike" sz="11300" u="none">
           <a:ln>
             <a:noFill/>
           </a:ln>
           <a:solidFill>
-            <a:srgbClr val="404040"/>
+            <a:srgbClr val="262626"/>
           </a:solidFill>
           <a:uFillTx/>
           <a:latin typeface="Calibri Light"/>
@@ -2961,7 +3678,7 @@
           <a:sym typeface="Calibri Light"/>
         </a:defRPr>
       </a:lvl4pPr>
-      <a:lvl5pPr marL="0" marR="0" indent="0" algn="l" defTabSz="1300459" rtl="0" latinLnBrk="0">
+      <a:lvl5pPr marL="0" marR="0" indent="0" algn="l" defTabSz="1300458" rtl="0" latinLnBrk="0">
         <a:lnSpc>
           <a:spcPct val="85000"/>
         </a:lnSpc>
@@ -2976,12 +3693,12 @@
         <a:buFontTx/>
         <a:buNone/>
         <a:tabLst/>
-        <a:defRPr b="0" baseline="0" cap="none" i="0" spc="-71" strike="noStrike" sz="6800" u="none">
+        <a:defRPr b="0" baseline="0" cap="none" i="0" spc="-71" strike="noStrike" sz="11300" u="none">
           <a:ln>
             <a:noFill/>
           </a:ln>
           <a:solidFill>
-            <a:srgbClr val="404040"/>
+            <a:srgbClr val="262626"/>
           </a:solidFill>
           <a:uFillTx/>
           <a:latin typeface="Calibri Light"/>
@@ -2990,7 +3707,7 @@
           <a:sym typeface="Calibri Light"/>
         </a:defRPr>
       </a:lvl5pPr>
-      <a:lvl6pPr marL="0" marR="0" indent="0" algn="l" defTabSz="1300459" rtl="0" latinLnBrk="0">
+      <a:lvl6pPr marL="0" marR="0" indent="0" algn="l" defTabSz="1300458" rtl="0" latinLnBrk="0">
         <a:lnSpc>
           <a:spcPct val="85000"/>
         </a:lnSpc>
@@ -3005,12 +3722,12 @@
         <a:buFontTx/>
         <a:buNone/>
         <a:tabLst/>
-        <a:defRPr b="0" baseline="0" cap="none" i="0" spc="-71" strike="noStrike" sz="6800" u="none">
+        <a:defRPr b="0" baseline="0" cap="none" i="0" spc="-71" strike="noStrike" sz="11300" u="none">
           <a:ln>
             <a:noFill/>
           </a:ln>
           <a:solidFill>
-            <a:srgbClr val="404040"/>
+            <a:srgbClr val="262626"/>
           </a:solidFill>
           <a:uFillTx/>
           <a:latin typeface="Calibri Light"/>
@@ -3019,7 +3736,7 @@
           <a:sym typeface="Calibri Light"/>
         </a:defRPr>
       </a:lvl6pPr>
-      <a:lvl7pPr marL="0" marR="0" indent="0" algn="l" defTabSz="1300459" rtl="0" latinLnBrk="0">
+      <a:lvl7pPr marL="0" marR="0" indent="0" algn="l" defTabSz="1300458" rtl="0" latinLnBrk="0">
         <a:lnSpc>
           <a:spcPct val="85000"/>
         </a:lnSpc>
@@ -3034,12 +3751,12 @@
         <a:buFontTx/>
         <a:buNone/>
         <a:tabLst/>
-        <a:defRPr b="0" baseline="0" cap="none" i="0" spc="-71" strike="noStrike" sz="6800" u="none">
+        <a:defRPr b="0" baseline="0" cap="none" i="0" spc="-71" strike="noStrike" sz="11300" u="none">
           <a:ln>
             <a:noFill/>
           </a:ln>
           <a:solidFill>
-            <a:srgbClr val="404040"/>
+            <a:srgbClr val="262626"/>
           </a:solidFill>
           <a:uFillTx/>
           <a:latin typeface="Calibri Light"/>
@@ -3048,7 +3765,7 @@
           <a:sym typeface="Calibri Light"/>
         </a:defRPr>
       </a:lvl7pPr>
-      <a:lvl8pPr marL="0" marR="0" indent="0" algn="l" defTabSz="1300459" rtl="0" latinLnBrk="0">
+      <a:lvl8pPr marL="0" marR="0" indent="0" algn="l" defTabSz="1300458" rtl="0" latinLnBrk="0">
         <a:lnSpc>
           <a:spcPct val="85000"/>
         </a:lnSpc>
@@ -3063,12 +3780,12 @@
         <a:buFontTx/>
         <a:buNone/>
         <a:tabLst/>
-        <a:defRPr b="0" baseline="0" cap="none" i="0" spc="-71" strike="noStrike" sz="6800" u="none">
+        <a:defRPr b="0" baseline="0" cap="none" i="0" spc="-71" strike="noStrike" sz="11300" u="none">
           <a:ln>
             <a:noFill/>
           </a:ln>
           <a:solidFill>
-            <a:srgbClr val="404040"/>
+            <a:srgbClr val="262626"/>
           </a:solidFill>
           <a:uFillTx/>
           <a:latin typeface="Calibri Light"/>
@@ -3077,7 +3794,7 @@
           <a:sym typeface="Calibri Light"/>
         </a:defRPr>
       </a:lvl8pPr>
-      <a:lvl9pPr marL="0" marR="0" indent="0" algn="l" defTabSz="1300459" rtl="0" latinLnBrk="0">
+      <a:lvl9pPr marL="0" marR="0" indent="0" algn="l" defTabSz="1300458" rtl="0" latinLnBrk="0">
         <a:lnSpc>
           <a:spcPct val="85000"/>
         </a:lnSpc>
@@ -3092,12 +3809,12 @@
         <a:buFontTx/>
         <a:buNone/>
         <a:tabLst/>
-        <a:defRPr b="0" baseline="0" cap="none" i="0" spc="-71" strike="noStrike" sz="6800" u="none">
+        <a:defRPr b="0" baseline="0" cap="none" i="0" spc="-71" strike="noStrike" sz="11300" u="none">
           <a:ln>
             <a:noFill/>
           </a:ln>
           <a:solidFill>
-            <a:srgbClr val="404040"/>
+            <a:srgbClr val="262626"/>
           </a:solidFill>
           <a:uFillTx/>
           <a:latin typeface="Calibri Light"/>
@@ -3108,7 +3825,7 @@
       </a:lvl9pPr>
     </p:titleStyle>
     <p:bodyStyle>
-      <a:lvl1pPr marL="130045" marR="0" indent="-130045" algn="l" defTabSz="1300459" rtl="0" latinLnBrk="0">
+      <a:lvl1pPr marL="0" marR="0" indent="0" algn="l" defTabSz="1300458" rtl="0" latinLnBrk="0">
         <a:lnSpc>
           <a:spcPct val="90000"/>
         </a:lnSpc>
@@ -3118,28 +3835,26 @@
         <a:spcAft>
           <a:spcPts val="0"/>
         </a:spcAft>
-        <a:buClr>
-          <a:schemeClr val="accent1"/>
-        </a:buClr>
-        <a:buSzPct val="100000"/>
-        <a:buFont typeface="Trebuchet MS"/>
-        <a:buChar char=" "/>
+        <a:buClrTx/>
+        <a:buSzTx/>
+        <a:buFontTx/>
+        <a:buNone/>
         <a:tabLst/>
-        <a:defRPr b="0" baseline="0" cap="none" i="0" spc="0" strike="noStrike" sz="2800" u="none">
+        <a:defRPr b="0" baseline="0" cap="all" i="0" spc="284" strike="noStrike" sz="3400" u="none">
           <a:ln>
             <a:noFill/>
           </a:ln>
           <a:solidFill>
-            <a:srgbClr val="404040"/>
+            <a:srgbClr val="637052"/>
           </a:solidFill>
           <a:uFillTx/>
-          <a:latin typeface="Calibri"/>
-          <a:ea typeface="Calibri"/>
-          <a:cs typeface="Calibri"/>
-          <a:sym typeface="Calibri"/>
+          <a:latin typeface="Calibri Light"/>
+          <a:ea typeface="Calibri Light"/>
+          <a:cs typeface="Calibri Light"/>
+          <a:sym typeface="Calibri Light"/>
         </a:defRPr>
       </a:lvl1pPr>
-      <a:lvl2pPr marL="577404" marR="0" indent="-291303" algn="l" defTabSz="1300459" rtl="0" latinLnBrk="0">
+      <a:lvl2pPr marL="0" marR="0" indent="0" algn="l" defTabSz="1300458" rtl="0" latinLnBrk="0">
         <a:lnSpc>
           <a:spcPct val="90000"/>
         </a:lnSpc>
@@ -3149,28 +3864,26 @@
         <a:spcAft>
           <a:spcPts val="0"/>
         </a:spcAft>
-        <a:buClr>
-          <a:schemeClr val="accent1"/>
-        </a:buClr>
-        <a:buSzPct val="100000"/>
-        <a:buFont typeface="Trebuchet MS"/>
-        <a:buChar char="◦"/>
+        <a:buClrTx/>
+        <a:buSzTx/>
+        <a:buFontTx/>
+        <a:buNone/>
         <a:tabLst/>
-        <a:defRPr b="0" baseline="0" cap="none" i="0" spc="0" strike="noStrike" sz="2800" u="none">
+        <a:defRPr b="0" baseline="0" cap="all" i="0" spc="284" strike="noStrike" sz="3400" u="none">
           <a:ln>
             <a:noFill/>
           </a:ln>
           <a:solidFill>
-            <a:srgbClr val="404040"/>
+            <a:srgbClr val="637052"/>
           </a:solidFill>
           <a:uFillTx/>
-          <a:latin typeface="Calibri"/>
-          <a:ea typeface="Calibri"/>
-          <a:cs typeface="Calibri"/>
-          <a:sym typeface="Calibri"/>
+          <a:latin typeface="Calibri Light"/>
+          <a:ea typeface="Calibri Light"/>
+          <a:cs typeface="Calibri Light"/>
+          <a:sym typeface="Calibri Light"/>
         </a:defRPr>
       </a:lvl2pPr>
-      <a:lvl3pPr marL="929486" marR="0" indent="-383293" algn="l" defTabSz="1300459" rtl="0" latinLnBrk="0">
+      <a:lvl3pPr marL="0" marR="0" indent="0" algn="l" defTabSz="1300458" rtl="0" latinLnBrk="0">
         <a:lnSpc>
           <a:spcPct val="90000"/>
         </a:lnSpc>
@@ -3180,28 +3893,26 @@
         <a:spcAft>
           <a:spcPts val="0"/>
         </a:spcAft>
-        <a:buClr>
-          <a:schemeClr val="accent1"/>
-        </a:buClr>
-        <a:buSzPct val="100000"/>
-        <a:buFont typeface="Trebuchet MS"/>
-        <a:buChar char="◦"/>
+        <a:buClrTx/>
+        <a:buSzTx/>
+        <a:buFontTx/>
+        <a:buNone/>
         <a:tabLst/>
-        <a:defRPr b="0" baseline="0" cap="none" i="0" spc="0" strike="noStrike" sz="2800" u="none">
+        <a:defRPr b="0" baseline="0" cap="all" i="0" spc="284" strike="noStrike" sz="3400" u="none">
           <a:ln>
             <a:noFill/>
           </a:ln>
           <a:solidFill>
-            <a:srgbClr val="404040"/>
+            <a:srgbClr val="637052"/>
           </a:solidFill>
           <a:uFillTx/>
-          <a:latin typeface="Calibri"/>
-          <a:ea typeface="Calibri"/>
-          <a:cs typeface="Calibri"/>
-          <a:sym typeface="Calibri"/>
+          <a:latin typeface="Calibri Light"/>
+          <a:ea typeface="Calibri Light"/>
+          <a:cs typeface="Calibri Light"/>
+          <a:sym typeface="Calibri Light"/>
         </a:defRPr>
       </a:lvl3pPr>
-      <a:lvl4pPr marL="1189578" marR="0" indent="-383293" algn="l" defTabSz="1300459" rtl="0" latinLnBrk="0">
+      <a:lvl4pPr marL="0" marR="0" indent="0" algn="l" defTabSz="1300458" rtl="0" latinLnBrk="0">
         <a:lnSpc>
           <a:spcPct val="90000"/>
         </a:lnSpc>
@@ -3211,28 +3922,26 @@
         <a:spcAft>
           <a:spcPts val="0"/>
         </a:spcAft>
-        <a:buClr>
-          <a:schemeClr val="accent1"/>
-        </a:buClr>
-        <a:buSzPct val="100000"/>
-        <a:buFont typeface="Trebuchet MS"/>
-        <a:buChar char="◦"/>
+        <a:buClrTx/>
+        <a:buSzTx/>
+        <a:buFontTx/>
+        <a:buNone/>
         <a:tabLst/>
-        <a:defRPr b="0" baseline="0" cap="none" i="0" spc="0" strike="noStrike" sz="2800" u="none">
+        <a:defRPr b="0" baseline="0" cap="all" i="0" spc="284" strike="noStrike" sz="3400" u="none">
           <a:ln>
             <a:noFill/>
           </a:ln>
           <a:solidFill>
-            <a:srgbClr val="404040"/>
+            <a:srgbClr val="637052"/>
           </a:solidFill>
           <a:uFillTx/>
-          <a:latin typeface="Calibri"/>
-          <a:ea typeface="Calibri"/>
-          <a:cs typeface="Calibri"/>
-          <a:sym typeface="Calibri"/>
+          <a:latin typeface="Calibri Light"/>
+          <a:ea typeface="Calibri Light"/>
+          <a:cs typeface="Calibri Light"/>
+          <a:sym typeface="Calibri Light"/>
         </a:defRPr>
       </a:lvl4pPr>
-      <a:lvl5pPr marL="1449670" marR="0" indent="-383293" algn="l" defTabSz="1300459" rtl="0" latinLnBrk="0">
+      <a:lvl5pPr marL="0" marR="0" indent="0" algn="l" defTabSz="1300458" rtl="0" latinLnBrk="0">
         <a:lnSpc>
           <a:spcPct val="90000"/>
         </a:lnSpc>
@@ -3242,28 +3951,26 @@
         <a:spcAft>
           <a:spcPts val="0"/>
         </a:spcAft>
-        <a:buClr>
-          <a:schemeClr val="accent1"/>
-        </a:buClr>
-        <a:buSzPct val="100000"/>
-        <a:buFont typeface="Trebuchet MS"/>
-        <a:buChar char="◦"/>
+        <a:buClrTx/>
+        <a:buSzTx/>
+        <a:buFontTx/>
+        <a:buNone/>
         <a:tabLst/>
-        <a:defRPr b="0" baseline="0" cap="none" i="0" spc="0" strike="noStrike" sz="2800" u="none">
+        <a:defRPr b="0" baseline="0" cap="all" i="0" spc="284" strike="noStrike" sz="3400" u="none">
           <a:ln>
             <a:noFill/>
           </a:ln>
           <a:solidFill>
-            <a:srgbClr val="404040"/>
+            <a:srgbClr val="637052"/>
           </a:solidFill>
           <a:uFillTx/>
-          <a:latin typeface="Calibri"/>
-          <a:ea typeface="Calibri"/>
-          <a:cs typeface="Calibri"/>
-          <a:sym typeface="Calibri"/>
+          <a:latin typeface="Calibri Light"/>
+          <a:ea typeface="Calibri Light"/>
+          <a:cs typeface="Calibri Light"/>
+          <a:sym typeface="Calibri Light"/>
         </a:defRPr>
       </a:lvl5pPr>
-      <a:lvl6pPr marL="1718421" marR="0" indent="-479116" algn="l" defTabSz="1300459" rtl="0" latinLnBrk="0">
+      <a:lvl6pPr marL="1821088" marR="0" indent="-581783" algn="l" defTabSz="1300458" rtl="0" latinLnBrk="0">
         <a:lnSpc>
           <a:spcPct val="90000"/>
         </a:lnSpc>
@@ -3273,28 +3980,26 @@
         <a:spcAft>
           <a:spcPts val="0"/>
         </a:spcAft>
-        <a:buClr>
-          <a:schemeClr val="accent1"/>
-        </a:buClr>
+        <a:buClrTx/>
         <a:buSzPct val="100000"/>
-        <a:buFont typeface="Trebuchet MS"/>
+        <a:buFontTx/>
         <a:buChar char="◦"/>
         <a:tabLst/>
-        <a:defRPr b="0" baseline="0" cap="none" i="0" spc="0" strike="noStrike" sz="2800" u="none">
+        <a:defRPr b="0" baseline="0" cap="all" i="0" spc="284" strike="noStrike" sz="3400" u="none">
           <a:ln>
             <a:noFill/>
           </a:ln>
           <a:solidFill>
-            <a:srgbClr val="404040"/>
+            <a:srgbClr val="637052"/>
           </a:solidFill>
           <a:uFillTx/>
-          <a:latin typeface="Calibri"/>
-          <a:ea typeface="Calibri"/>
-          <a:cs typeface="Calibri"/>
-          <a:sym typeface="Calibri"/>
+          <a:latin typeface="Calibri Light"/>
+          <a:ea typeface="Calibri Light"/>
+          <a:cs typeface="Calibri Light"/>
+          <a:sym typeface="Calibri Light"/>
         </a:defRPr>
       </a:lvl6pPr>
-      <a:lvl7pPr marL="2002861" marR="0" indent="-479116" algn="l" defTabSz="1300459" rtl="0" latinLnBrk="0">
+      <a:lvl7pPr marL="2105528" marR="0" indent="-581783" algn="l" defTabSz="1300458" rtl="0" latinLnBrk="0">
         <a:lnSpc>
           <a:spcPct val="90000"/>
         </a:lnSpc>
@@ -3304,28 +4009,26 @@
         <a:spcAft>
           <a:spcPts val="0"/>
         </a:spcAft>
-        <a:buClr>
-          <a:schemeClr val="accent1"/>
-        </a:buClr>
+        <a:buClrTx/>
         <a:buSzPct val="100000"/>
-        <a:buFont typeface="Trebuchet MS"/>
+        <a:buFontTx/>
         <a:buChar char="◦"/>
         <a:tabLst/>
-        <a:defRPr b="0" baseline="0" cap="none" i="0" spc="0" strike="noStrike" sz="2800" u="none">
+        <a:defRPr b="0" baseline="0" cap="all" i="0" spc="284" strike="noStrike" sz="3400" u="none">
           <a:ln>
             <a:noFill/>
           </a:ln>
           <a:solidFill>
-            <a:srgbClr val="404040"/>
+            <a:srgbClr val="637052"/>
           </a:solidFill>
           <a:uFillTx/>
-          <a:latin typeface="Calibri"/>
-          <a:ea typeface="Calibri"/>
-          <a:cs typeface="Calibri"/>
-          <a:sym typeface="Calibri"/>
+          <a:latin typeface="Calibri Light"/>
+          <a:ea typeface="Calibri Light"/>
+          <a:cs typeface="Calibri Light"/>
+          <a:sym typeface="Calibri Light"/>
         </a:defRPr>
       </a:lvl7pPr>
-      <a:lvl8pPr marL="2287301" marR="0" indent="-479116" algn="l" defTabSz="1300459" rtl="0" latinLnBrk="0">
+      <a:lvl8pPr marL="2389968" marR="0" indent="-581783" algn="l" defTabSz="1300458" rtl="0" latinLnBrk="0">
         <a:lnSpc>
           <a:spcPct val="90000"/>
         </a:lnSpc>
@@ -3335,28 +4038,26 @@
         <a:spcAft>
           <a:spcPts val="0"/>
         </a:spcAft>
-        <a:buClr>
-          <a:schemeClr val="accent1"/>
-        </a:buClr>
+        <a:buClrTx/>
         <a:buSzPct val="100000"/>
-        <a:buFont typeface="Trebuchet MS"/>
+        <a:buFontTx/>
         <a:buChar char="◦"/>
         <a:tabLst/>
-        <a:defRPr b="0" baseline="0" cap="none" i="0" spc="0" strike="noStrike" sz="2800" u="none">
+        <a:defRPr b="0" baseline="0" cap="all" i="0" spc="284" strike="noStrike" sz="3400" u="none">
           <a:ln>
             <a:noFill/>
           </a:ln>
           <a:solidFill>
-            <a:srgbClr val="404040"/>
+            <a:srgbClr val="637052"/>
           </a:solidFill>
           <a:uFillTx/>
-          <a:latin typeface="Calibri"/>
-          <a:ea typeface="Calibri"/>
-          <a:cs typeface="Calibri"/>
-          <a:sym typeface="Calibri"/>
+          <a:latin typeface="Calibri Light"/>
+          <a:ea typeface="Calibri Light"/>
+          <a:cs typeface="Calibri Light"/>
+          <a:sym typeface="Calibri Light"/>
         </a:defRPr>
       </a:lvl8pPr>
-      <a:lvl9pPr marL="2571741" marR="0" indent="-479116" algn="l" defTabSz="1300459" rtl="0" latinLnBrk="0">
+      <a:lvl9pPr marL="2674408" marR="0" indent="-581783" algn="l" defTabSz="1300458" rtl="0" latinLnBrk="0">
         <a:lnSpc>
           <a:spcPct val="90000"/>
         </a:lnSpc>
@@ -3366,25 +4067,23 @@
         <a:spcAft>
           <a:spcPts val="0"/>
         </a:spcAft>
-        <a:buClr>
-          <a:schemeClr val="accent1"/>
-        </a:buClr>
+        <a:buClrTx/>
         <a:buSzPct val="100000"/>
-        <a:buFont typeface="Trebuchet MS"/>
+        <a:buFontTx/>
         <a:buChar char="◦"/>
         <a:tabLst/>
-        <a:defRPr b="0" baseline="0" cap="none" i="0" spc="0" strike="noStrike" sz="2800" u="none">
+        <a:defRPr b="0" baseline="0" cap="all" i="0" spc="284" strike="noStrike" sz="3400" u="none">
           <a:ln>
             <a:noFill/>
           </a:ln>
           <a:solidFill>
-            <a:srgbClr val="404040"/>
+            <a:srgbClr val="637052"/>
           </a:solidFill>
           <a:uFillTx/>
-          <a:latin typeface="Calibri"/>
-          <a:ea typeface="Calibri"/>
-          <a:cs typeface="Calibri"/>
-          <a:sym typeface="Calibri"/>
+          <a:latin typeface="Calibri Light"/>
+          <a:ea typeface="Calibri Light"/>
+          <a:cs typeface="Calibri Light"/>
+          <a:sym typeface="Calibri Light"/>
         </a:defRPr>
       </a:lvl9pPr>
     </p:bodyStyle>
@@ -3418,7 +4117,7 @@
           <a:sym typeface="Calibri"/>
         </a:defRPr>
       </a:lvl1pPr>
-      <a:lvl2pPr marL="0" marR="0" indent="457200" algn="r" defTabSz="457200" rtl="0" latinLnBrk="0">
+      <a:lvl2pPr marL="0" marR="0" indent="0" algn="r" defTabSz="457200" rtl="0" latinLnBrk="0">
         <a:lnSpc>
           <a:spcPct val="100000"/>
         </a:lnSpc>
@@ -3447,7 +4146,7 @@
           <a:sym typeface="Calibri"/>
         </a:defRPr>
       </a:lvl2pPr>
-      <a:lvl3pPr marL="0" marR="0" indent="914400" algn="r" defTabSz="457200" rtl="0" latinLnBrk="0">
+      <a:lvl3pPr marL="0" marR="0" indent="0" algn="r" defTabSz="457200" rtl="0" latinLnBrk="0">
         <a:lnSpc>
           <a:spcPct val="100000"/>
         </a:lnSpc>
@@ -3476,7 +4175,7 @@
           <a:sym typeface="Calibri"/>
         </a:defRPr>
       </a:lvl3pPr>
-      <a:lvl4pPr marL="0" marR="0" indent="1371600" algn="r" defTabSz="457200" rtl="0" latinLnBrk="0">
+      <a:lvl4pPr marL="0" marR="0" indent="0" algn="r" defTabSz="457200" rtl="0" latinLnBrk="0">
         <a:lnSpc>
           <a:spcPct val="100000"/>
         </a:lnSpc>
@@ -3505,7 +4204,7 @@
           <a:sym typeface="Calibri"/>
         </a:defRPr>
       </a:lvl4pPr>
-      <a:lvl5pPr marL="0" marR="0" indent="1828800" algn="r" defTabSz="457200" rtl="0" latinLnBrk="0">
+      <a:lvl5pPr marL="0" marR="0" indent="0" algn="r" defTabSz="457200" rtl="0" latinLnBrk="0">
         <a:lnSpc>
           <a:spcPct val="100000"/>
         </a:lnSpc>
@@ -3534,7 +4233,7 @@
           <a:sym typeface="Calibri"/>
         </a:defRPr>
       </a:lvl5pPr>
-      <a:lvl6pPr marL="0" marR="0" indent="2286000" algn="r" defTabSz="457200" rtl="0" latinLnBrk="0">
+      <a:lvl6pPr marL="0" marR="0" indent="0" algn="r" defTabSz="457200" rtl="0" latinLnBrk="0">
         <a:lnSpc>
           <a:spcPct val="100000"/>
         </a:lnSpc>
@@ -3563,7 +4262,7 @@
           <a:sym typeface="Calibri"/>
         </a:defRPr>
       </a:lvl6pPr>
-      <a:lvl7pPr marL="0" marR="0" indent="2743200" algn="r" defTabSz="457200" rtl="0" latinLnBrk="0">
+      <a:lvl7pPr marL="0" marR="0" indent="0" algn="r" defTabSz="457200" rtl="0" latinLnBrk="0">
         <a:lnSpc>
           <a:spcPct val="100000"/>
         </a:lnSpc>
@@ -3592,7 +4291,7 @@
           <a:sym typeface="Calibri"/>
         </a:defRPr>
       </a:lvl7pPr>
-      <a:lvl8pPr marL="0" marR="0" indent="3200400" algn="r" defTabSz="457200" rtl="0" latinLnBrk="0">
+      <a:lvl8pPr marL="0" marR="0" indent="0" algn="r" defTabSz="457200" rtl="0" latinLnBrk="0">
         <a:lnSpc>
           <a:spcPct val="100000"/>
         </a:lnSpc>
@@ -3621,7 +4320,7 @@
           <a:sym typeface="Calibri"/>
         </a:defRPr>
       </a:lvl8pPr>
-      <a:lvl9pPr marL="0" marR="0" indent="3657600" algn="r" defTabSz="457200" rtl="0" latinLnBrk="0">
+      <a:lvl9pPr marL="0" marR="0" indent="0" algn="r" defTabSz="457200" rtl="0" latinLnBrk="0">
         <a:lnSpc>
           <a:spcPct val="100000"/>
         </a:lnSpc>
@@ -3674,7 +4373,7 @@
       </p:grpSpPr>
       <p:sp>
         <p:nvSpPr>
-          <p:cNvPr id="129" name="正文"/>
+          <p:cNvPr id="138" name="正文"/>
           <p:cNvSpPr txBox="1"/>
           <p:nvPr>
             <p:ph type="subTitle" sz="quarter" idx="1"/>
@@ -3682,8 +4381,8 @@
         </p:nvSpPr>
         <p:spPr>
           <a:xfrm>
-            <a:off x="1173387" y="6336882"/>
-            <a:ext cx="10728960" cy="1625601"/>
+            <a:off x="1173387" y="6336881"/>
+            <a:ext cx="10728960" cy="1625602"/>
           </a:xfrm>
           <a:prstGeom prst="rect">
             <a:avLst/>
@@ -3699,7 +4398,7 @@
       </p:sp>
       <p:pic>
         <p:nvPicPr>
-          <p:cNvPr id="130" name="屏幕快照 2018-02-04 下午8.39.53.png" descr="屏幕快照 2018-02-04 下午8.39.53.png"/>
+          <p:cNvPr id="139" name="屏幕快照 2018-02-04 下午8.39.53.png" descr="屏幕快照 2018-02-04 下午8.39.53.png"/>
           <p:cNvPicPr>
             <a:picLocks noChangeAspect="1"/>
           </p:cNvPicPr>
@@ -3715,8 +4414,8 @@
         </p:blipFill>
         <p:spPr>
           <a:xfrm>
-            <a:off x="0" y="2011060"/>
-            <a:ext cx="13004800" cy="6243249"/>
+            <a:off x="0" y="2011059"/>
+            <a:ext cx="13004800" cy="6243251"/>
           </a:xfrm>
           <a:prstGeom prst="rect">
             <a:avLst/>
@@ -3754,7 +4453,7 @@
       </p:grpSpPr>
       <p:sp>
         <p:nvSpPr>
-          <p:cNvPr id="167" name="标题"/>
+          <p:cNvPr id="175" name="标题"/>
           <p:cNvSpPr txBox="1"/>
           <p:nvPr>
             <p:ph type="ctrTitle"/>
@@ -3779,7 +4478,7 @@
       </p:sp>
       <p:sp>
         <p:nvSpPr>
-          <p:cNvPr id="168" name="正文"/>
+          <p:cNvPr id="176" name="正文"/>
           <p:cNvSpPr txBox="1"/>
           <p:nvPr>
             <p:ph type="subTitle" sz="quarter" idx="1"/>
@@ -3787,8 +4486,8 @@
         </p:nvSpPr>
         <p:spPr>
           <a:xfrm>
-            <a:off x="1173387" y="6336882"/>
-            <a:ext cx="10728960" cy="1625601"/>
+            <a:off x="1173387" y="6336881"/>
+            <a:ext cx="10728960" cy="1625602"/>
           </a:xfrm>
           <a:prstGeom prst="rect">
             <a:avLst/>
@@ -3804,7 +4503,7 @@
       </p:sp>
       <p:pic>
         <p:nvPicPr>
-          <p:cNvPr id="169" name="屏幕快照 2018-02-04 下午8.41.43.png" descr="屏幕快照 2018-02-04 下午8.41.43.png"/>
+          <p:cNvPr id="177" name="屏幕快照 2018-02-04 下午8.41.43.png" descr="屏幕快照 2018-02-04 下午8.41.43.png"/>
           <p:cNvPicPr>
             <a:picLocks noChangeAspect="1"/>
           </p:cNvPicPr>
@@ -3859,7 +4558,7 @@
       </p:grpSpPr>
       <p:sp>
         <p:nvSpPr>
-          <p:cNvPr id="171" name="标题"/>
+          <p:cNvPr id="179" name="标题"/>
           <p:cNvSpPr txBox="1"/>
           <p:nvPr>
             <p:ph type="ctrTitle"/>
@@ -3884,7 +4583,7 @@
       </p:sp>
       <p:sp>
         <p:nvSpPr>
-          <p:cNvPr id="172" name="正文"/>
+          <p:cNvPr id="180" name="正文"/>
           <p:cNvSpPr txBox="1"/>
           <p:nvPr>
             <p:ph type="subTitle" sz="quarter" idx="1"/>
@@ -3892,8 +4591,8 @@
         </p:nvSpPr>
         <p:spPr>
           <a:xfrm>
-            <a:off x="1173387" y="6336882"/>
-            <a:ext cx="10728960" cy="1625601"/>
+            <a:off x="1173387" y="6336881"/>
+            <a:ext cx="10728960" cy="1625602"/>
           </a:xfrm>
           <a:prstGeom prst="rect">
             <a:avLst/>
@@ -3909,7 +4608,7 @@
       </p:sp>
       <p:pic>
         <p:nvPicPr>
-          <p:cNvPr id="173" name="屏幕快照 2018-02-04 下午8.41.51.png" descr="屏幕快照 2018-02-04 下午8.41.51.png"/>
+          <p:cNvPr id="181" name="屏幕快照 2018-02-04 下午8.41.51.png" descr="屏幕快照 2018-02-04 下午8.41.51.png"/>
           <p:cNvPicPr>
             <a:picLocks noChangeAspect="1"/>
           </p:cNvPicPr>
@@ -3925,8 +4624,8 @@
         </p:blipFill>
         <p:spPr>
           <a:xfrm>
-            <a:off x="0" y="1881728"/>
-            <a:ext cx="13004800" cy="5011251"/>
+            <a:off x="0" y="1881727"/>
+            <a:ext cx="13004800" cy="5011253"/>
           </a:xfrm>
           <a:prstGeom prst="rect">
             <a:avLst/>
@@ -3964,7 +4663,7 @@
       </p:grpSpPr>
       <p:sp>
         <p:nvSpPr>
-          <p:cNvPr id="132" name="标题"/>
+          <p:cNvPr id="141" name="标题"/>
           <p:cNvSpPr txBox="1"/>
           <p:nvPr>
             <p:ph type="ctrTitle"/>
@@ -3989,7 +4688,7 @@
       </p:sp>
       <p:sp>
         <p:nvSpPr>
-          <p:cNvPr id="133" name="正文"/>
+          <p:cNvPr id="142" name="正文"/>
           <p:cNvSpPr txBox="1"/>
           <p:nvPr>
             <p:ph type="subTitle" sz="quarter" idx="1"/>
@@ -3997,8 +4696,8 @@
         </p:nvSpPr>
         <p:spPr>
           <a:xfrm>
-            <a:off x="1173387" y="6336882"/>
-            <a:ext cx="10728960" cy="1625601"/>
+            <a:off x="1173387" y="6336881"/>
+            <a:ext cx="10728960" cy="1625602"/>
           </a:xfrm>
           <a:prstGeom prst="rect">
             <a:avLst/>
@@ -4014,7 +4713,7 @@
       </p:sp>
       <p:pic>
         <p:nvPicPr>
-          <p:cNvPr id="134" name="屏幕快照 2018-02-04 下午8.40.09.png" descr="屏幕快照 2018-02-04 下午8.40.09.png"/>
+          <p:cNvPr id="143" name="屏幕快照 2018-02-04 下午8.40.09.png" descr="屏幕快照 2018-02-04 下午8.40.09.png"/>
           <p:cNvPicPr>
             <a:picLocks noChangeAspect="1"/>
           </p:cNvPicPr>
@@ -4030,8 +4729,8 @@
         </p:blipFill>
         <p:spPr>
           <a:xfrm>
-            <a:off x="45204" y="2435755"/>
-            <a:ext cx="12914392" cy="3774408"/>
+            <a:off x="45203" y="2435755"/>
+            <a:ext cx="12914394" cy="3774408"/>
           </a:xfrm>
           <a:prstGeom prst="rect">
             <a:avLst/>
@@ -4069,32 +4768,7 @@
       </p:grpSpPr>
       <p:sp>
         <p:nvSpPr>
-          <p:cNvPr id="136" name="标题"/>
-          <p:cNvSpPr txBox="1"/>
-          <p:nvPr>
-            <p:ph type="ctrTitle"/>
-          </p:nvPr>
-        </p:nvSpPr>
-        <p:spPr>
-          <a:xfrm>
-            <a:off x="1170432" y="1079398"/>
-            <a:ext cx="10728960" cy="5071872"/>
-          </a:xfrm>
-          <a:prstGeom prst="rect">
-            <a:avLst/>
-          </a:prstGeom>
-        </p:spPr>
-        <p:txBody>
-          <a:bodyPr/>
-          <a:lstStyle/>
-          <a:p>
-            <a:pPr/>
-          </a:p>
-        </p:txBody>
-      </p:sp>
-      <p:sp>
-        <p:nvSpPr>
-          <p:cNvPr id="137" name="正文"/>
+          <p:cNvPr id="145" name="正文"/>
           <p:cNvSpPr txBox="1"/>
           <p:nvPr>
             <p:ph type="subTitle" sz="quarter" idx="1"/>
@@ -4102,8 +4776,8 @@
         </p:nvSpPr>
         <p:spPr>
           <a:xfrm>
-            <a:off x="1173387" y="6336882"/>
-            <a:ext cx="10728960" cy="1625601"/>
+            <a:off x="1173387" y="6336881"/>
+            <a:ext cx="10728960" cy="1625602"/>
           </a:xfrm>
           <a:prstGeom prst="rect">
             <a:avLst/>
@@ -4119,7 +4793,7 @@
       </p:sp>
       <p:pic>
         <p:nvPicPr>
-          <p:cNvPr id="138" name="屏幕快照 2018-02-04 下午9.04.38.png" descr="屏幕快照 2018-02-04 下午9.04.38.png"/>
+          <p:cNvPr id="146" name="屏幕快照 2018-02-04 下午9.04.38.png" descr="屏幕快照 2018-02-04 下午9.04.38.png"/>
           <p:cNvPicPr>
             <a:picLocks noChangeAspect="1"/>
           </p:cNvPicPr>
@@ -4129,7 +4803,7 @@
           <a:blip r:embed="rId2">
             <a:extLst/>
           </a:blip>
-          <a:srcRect l="0" t="0" r="783" b="0"/>
+          <a:srcRect l="0" t="0" r="782" b="0"/>
           <a:stretch>
             <a:fillRect/>
           </a:stretch>
@@ -4149,7 +4823,7 @@
       </p:pic>
       <p:pic>
         <p:nvPicPr>
-          <p:cNvPr id="139" name="屏幕快照 2018-02-04 下午9.04.49.png" descr="屏幕快照 2018-02-04 下午9.04.49.png"/>
+          <p:cNvPr id="147" name="屏幕快照 2018-02-04 下午9.04.55.png" descr="屏幕快照 2018-02-04 下午9.04.55.png"/>
           <p:cNvPicPr>
             <a:picLocks noChangeAspect="1"/>
           </p:cNvPicPr>
@@ -4159,14 +4833,15 @@
           <a:blip r:embed="rId3">
             <a:extLst/>
           </a:blip>
+          <a:srcRect l="0" t="0" r="0" b="28571"/>
           <a:stretch>
             <a:fillRect/>
           </a:stretch>
         </p:blipFill>
         <p:spPr>
           <a:xfrm>
-            <a:off x="-283121" y="4301671"/>
-            <a:ext cx="12979401" cy="1866901"/>
+            <a:off x="-283121" y="3208933"/>
+            <a:ext cx="12979401" cy="952501"/>
           </a:xfrm>
           <a:prstGeom prst="rect">
             <a:avLst/>
@@ -4178,7 +4853,7 @@
       </p:pic>
       <p:pic>
         <p:nvPicPr>
-          <p:cNvPr id="140" name="屏幕快照 2018-02-04 下午9.04.55.png" descr="屏幕快照 2018-02-04 下午9.04.55.png"/>
+          <p:cNvPr id="148" name="屏幕快照 2018-02-04 下午9.15.58.png" descr="屏幕快照 2018-02-04 下午9.15.58.png"/>
           <p:cNvPicPr>
             <a:picLocks noChangeAspect="1"/>
           </p:cNvPicPr>
@@ -4188,15 +4863,14 @@
           <a:blip r:embed="rId4">
             <a:extLst/>
           </a:blip>
-          <a:srcRect l="0" t="0" r="0" b="28571"/>
           <a:stretch>
             <a:fillRect/>
           </a:stretch>
         </p:blipFill>
         <p:spPr>
           <a:xfrm>
-            <a:off x="-283121" y="3208933"/>
-            <a:ext cx="12979401" cy="952501"/>
+            <a:off x="192413" y="4303007"/>
+            <a:ext cx="12725401" cy="1892301"/>
           </a:xfrm>
           <a:prstGeom prst="rect">
             <a:avLst/>
@@ -4234,7 +4908,7 @@
       </p:grpSpPr>
       <p:sp>
         <p:nvSpPr>
-          <p:cNvPr id="142" name="标题"/>
+          <p:cNvPr id="150" name="标题"/>
           <p:cNvSpPr txBox="1"/>
           <p:nvPr>
             <p:ph type="ctrTitle"/>
@@ -4259,7 +4933,7 @@
       </p:sp>
       <p:sp>
         <p:nvSpPr>
-          <p:cNvPr id="143" name="正文"/>
+          <p:cNvPr id="151" name="正文"/>
           <p:cNvSpPr txBox="1"/>
           <p:nvPr>
             <p:ph type="subTitle" sz="quarter" idx="1"/>
@@ -4267,8 +4941,8 @@
         </p:nvSpPr>
         <p:spPr>
           <a:xfrm>
-            <a:off x="1173387" y="6336882"/>
-            <a:ext cx="10728960" cy="1625601"/>
+            <a:off x="1173387" y="6336881"/>
+            <a:ext cx="10728960" cy="1625602"/>
           </a:xfrm>
           <a:prstGeom prst="rect">
             <a:avLst/>
@@ -4284,7 +4958,7 @@
       </p:sp>
       <p:pic>
         <p:nvPicPr>
-          <p:cNvPr id="144" name="屏幕快照 2018-02-04 下午8.40.34.png" descr="屏幕快照 2018-02-04 下午8.40.34.png"/>
+          <p:cNvPr id="152" name="屏幕快照 2018-02-04 下午8.40.34.png" descr="屏幕快照 2018-02-04 下午8.40.34.png"/>
           <p:cNvPicPr>
             <a:picLocks noChangeAspect="1"/>
           </p:cNvPicPr>
@@ -4300,8 +4974,8 @@
         </p:blipFill>
         <p:spPr>
           <a:xfrm>
-            <a:off x="0" y="2578849"/>
-            <a:ext cx="13004800" cy="4225616"/>
+            <a:off x="0" y="2578848"/>
+            <a:ext cx="13004800" cy="4225618"/>
           </a:xfrm>
           <a:prstGeom prst="rect">
             <a:avLst/>
@@ -4339,7 +5013,7 @@
       </p:grpSpPr>
       <p:sp>
         <p:nvSpPr>
-          <p:cNvPr id="146" name="标题"/>
+          <p:cNvPr id="154" name="标题"/>
           <p:cNvSpPr txBox="1"/>
           <p:nvPr>
             <p:ph type="ctrTitle"/>
@@ -4364,7 +5038,7 @@
       </p:sp>
       <p:sp>
         <p:nvSpPr>
-          <p:cNvPr id="147" name="正文"/>
+          <p:cNvPr id="155" name="正文"/>
           <p:cNvSpPr txBox="1"/>
           <p:nvPr>
             <p:ph type="subTitle" sz="quarter" idx="1"/>
@@ -4372,8 +5046,8 @@
         </p:nvSpPr>
         <p:spPr>
           <a:xfrm>
-            <a:off x="1173387" y="6336882"/>
-            <a:ext cx="10728960" cy="1625601"/>
+            <a:off x="1173387" y="6336881"/>
+            <a:ext cx="10728960" cy="1625602"/>
           </a:xfrm>
           <a:prstGeom prst="rect">
             <a:avLst/>
@@ -4389,7 +5063,7 @@
       </p:sp>
       <p:pic>
         <p:nvPicPr>
-          <p:cNvPr id="148" name="屏幕快照 2018-02-04 下午8.40.41.png" descr="屏幕快照 2018-02-04 下午8.40.41.png"/>
+          <p:cNvPr id="156" name="屏幕快照 2018-02-04 下午8.40.41.png" descr="屏幕快照 2018-02-04 下午8.40.41.png"/>
           <p:cNvPicPr>
             <a:picLocks noChangeAspect="1"/>
           </p:cNvPicPr>
@@ -4406,7 +5080,7 @@
         <p:spPr>
           <a:xfrm>
             <a:off x="152299" y="3168450"/>
-            <a:ext cx="12166602" cy="2743202"/>
+            <a:ext cx="12166603" cy="2743202"/>
           </a:xfrm>
           <a:prstGeom prst="rect">
             <a:avLst/>
@@ -4444,7 +5118,7 @@
       </p:grpSpPr>
       <p:sp>
         <p:nvSpPr>
-          <p:cNvPr id="150" name="标题"/>
+          <p:cNvPr id="158" name="标题"/>
           <p:cNvSpPr txBox="1"/>
           <p:nvPr>
             <p:ph type="ctrTitle"/>
@@ -4469,7 +5143,7 @@
       </p:sp>
       <p:sp>
         <p:nvSpPr>
-          <p:cNvPr id="151" name="正文"/>
+          <p:cNvPr id="159" name="正文"/>
           <p:cNvSpPr txBox="1"/>
           <p:nvPr>
             <p:ph type="subTitle" sz="quarter" idx="1"/>
@@ -4477,8 +5151,8 @@
         </p:nvSpPr>
         <p:spPr>
           <a:xfrm>
-            <a:off x="1173387" y="6336882"/>
-            <a:ext cx="10728960" cy="1625601"/>
+            <a:off x="1173387" y="6336881"/>
+            <a:ext cx="10728960" cy="1625602"/>
           </a:xfrm>
           <a:prstGeom prst="rect">
             <a:avLst/>
@@ -4494,7 +5168,7 @@
       </p:sp>
       <p:pic>
         <p:nvPicPr>
-          <p:cNvPr id="152" name="屏幕快照 2018-02-04 下午8.40.49.png" descr="屏幕快照 2018-02-04 下午8.40.49.png"/>
+          <p:cNvPr id="160" name="屏幕快照 2018-02-04 下午8.40.49.png" descr="屏幕快照 2018-02-04 下午8.40.49.png"/>
           <p:cNvPicPr>
             <a:picLocks noChangeAspect="1"/>
           </p:cNvPicPr>
@@ -4510,8 +5184,8 @@
         </p:blipFill>
         <p:spPr>
           <a:xfrm>
-            <a:off x="0" y="727319"/>
-            <a:ext cx="13004800" cy="7800387"/>
+            <a:off x="0" y="727318"/>
+            <a:ext cx="13004800" cy="7800388"/>
           </a:xfrm>
           <a:prstGeom prst="rect">
             <a:avLst/>
@@ -4549,7 +5223,7 @@
       </p:grpSpPr>
       <p:sp>
         <p:nvSpPr>
-          <p:cNvPr id="154" name="标题"/>
+          <p:cNvPr id="162" name="标题"/>
           <p:cNvSpPr txBox="1"/>
           <p:nvPr>
             <p:ph type="ctrTitle"/>
@@ -4574,7 +5248,7 @@
       </p:sp>
       <p:sp>
         <p:nvSpPr>
-          <p:cNvPr id="155" name="正文"/>
+          <p:cNvPr id="163" name="正文"/>
           <p:cNvSpPr txBox="1"/>
           <p:nvPr>
             <p:ph type="subTitle" sz="quarter" idx="1"/>
@@ -4582,8 +5256,8 @@
         </p:nvSpPr>
         <p:spPr>
           <a:xfrm>
-            <a:off x="1173387" y="6336882"/>
-            <a:ext cx="10728960" cy="1625601"/>
+            <a:off x="1173387" y="6336881"/>
+            <a:ext cx="10728960" cy="1625602"/>
           </a:xfrm>
           <a:prstGeom prst="rect">
             <a:avLst/>
@@ -4599,7 +5273,7 @@
       </p:sp>
       <p:pic>
         <p:nvPicPr>
-          <p:cNvPr id="156" name="屏幕快照 2018-02-04 下午8.40.57.png" descr="屏幕快照 2018-02-04 下午8.40.57.png"/>
+          <p:cNvPr id="164" name="屏幕快照 2018-02-04 下午8.40.57.png" descr="屏幕快照 2018-02-04 下午8.40.57.png"/>
           <p:cNvPicPr>
             <a:picLocks noChangeAspect="1"/>
           </p:cNvPicPr>
@@ -4628,7 +5302,7 @@
       </p:pic>
       <p:pic>
         <p:nvPicPr>
-          <p:cNvPr id="157" name="屏幕快照 2018-02-04 下午8.41.02.png" descr="屏幕快照 2018-02-04 下午8.41.02.png"/>
+          <p:cNvPr id="165" name="屏幕快照 2018-02-04 下午8.41.02.png" descr="屏幕快照 2018-02-04 下午8.41.02.png"/>
           <p:cNvPicPr>
             <a:picLocks noChangeAspect="1"/>
           </p:cNvPicPr>
@@ -4645,7 +5319,7 @@
         <p:spPr>
           <a:xfrm>
             <a:off x="118715" y="5534371"/>
-            <a:ext cx="12979401" cy="1117602"/>
+            <a:ext cx="12979401" cy="1117603"/>
           </a:xfrm>
           <a:prstGeom prst="rect">
             <a:avLst/>
@@ -4683,7 +5357,7 @@
       </p:grpSpPr>
       <p:sp>
         <p:nvSpPr>
-          <p:cNvPr id="159" name="标题"/>
+          <p:cNvPr id="167" name="标题"/>
           <p:cNvSpPr txBox="1"/>
           <p:nvPr>
             <p:ph type="ctrTitle"/>
@@ -4708,7 +5382,7 @@
       </p:sp>
       <p:sp>
         <p:nvSpPr>
-          <p:cNvPr id="160" name="正文"/>
+          <p:cNvPr id="168" name="正文"/>
           <p:cNvSpPr txBox="1"/>
           <p:nvPr>
             <p:ph type="subTitle" sz="quarter" idx="1"/>
@@ -4716,8 +5390,8 @@
         </p:nvSpPr>
         <p:spPr>
           <a:xfrm>
-            <a:off x="1173387" y="6336882"/>
-            <a:ext cx="10728960" cy="1625601"/>
+            <a:off x="1173387" y="6336881"/>
+            <a:ext cx="10728960" cy="1625602"/>
           </a:xfrm>
           <a:prstGeom prst="rect">
             <a:avLst/>
@@ -4733,7 +5407,7 @@
       </p:sp>
       <p:pic>
         <p:nvPicPr>
-          <p:cNvPr id="161" name="Picture 2" descr="Picture 2"/>
+          <p:cNvPr id="169" name="Picture 2" descr="Picture 2"/>
           <p:cNvPicPr>
             <a:picLocks noChangeAspect="1"/>
           </p:cNvPicPr>
@@ -4788,7 +5462,7 @@
       </p:grpSpPr>
       <p:sp>
         <p:nvSpPr>
-          <p:cNvPr id="163" name="标题"/>
+          <p:cNvPr id="171" name="标题"/>
           <p:cNvSpPr txBox="1"/>
           <p:nvPr>
             <p:ph type="ctrTitle"/>
@@ -4813,7 +5487,7 @@
       </p:sp>
       <p:sp>
         <p:nvSpPr>
-          <p:cNvPr id="164" name="正文"/>
+          <p:cNvPr id="172" name="正文"/>
           <p:cNvSpPr txBox="1"/>
           <p:nvPr>
             <p:ph type="subTitle" sz="quarter" idx="1"/>
@@ -4821,8 +5495,8 @@
         </p:nvSpPr>
         <p:spPr>
           <a:xfrm>
-            <a:off x="1173387" y="6336882"/>
-            <a:ext cx="10728960" cy="1625601"/>
+            <a:off x="1173387" y="6336881"/>
+            <a:ext cx="10728960" cy="1625602"/>
           </a:xfrm>
           <a:prstGeom prst="rect">
             <a:avLst/>
@@ -4838,7 +5512,7 @@
       </p:sp>
       <p:pic>
         <p:nvPicPr>
-          <p:cNvPr id="165" name="屏幕快照 2018-02-04 下午8.41.35.png" descr="屏幕快照 2018-02-04 下午8.41.35.png"/>
+          <p:cNvPr id="173" name="屏幕快照 2018-02-04 下午8.41.35.png" descr="屏幕快照 2018-02-04 下午8.41.35.png"/>
           <p:cNvPicPr>
             <a:picLocks noChangeAspect="1"/>
           </p:cNvPicPr>
@@ -4854,8 +5528,8 @@
         </p:blipFill>
         <p:spPr>
           <a:xfrm>
-            <a:off x="0" y="1971471"/>
-            <a:ext cx="13004800" cy="5810658"/>
+            <a:off x="0" y="1971470"/>
+            <a:ext cx="13004800" cy="5810660"/>
           </a:xfrm>
           <a:prstGeom prst="rect">
             <a:avLst/>
@@ -4917,14 +5591,14 @@
     </a:clrScheme>
     <a:fontScheme name="Retrospect">
       <a:majorFont>
+        <a:latin typeface="Helvetica"/>
+        <a:ea typeface="Helvetica"/>
+        <a:cs typeface="Helvetica"/>
+      </a:majorFont>
+      <a:minorFont>
         <a:latin typeface="Helvetica Neue"/>
         <a:ea typeface="Helvetica Neue"/>
         <a:cs typeface="Helvetica Neue"/>
-      </a:majorFont>
-      <a:minorFont>
-        <a:latin typeface="Helvetica"/>
-        <a:ea typeface="Helvetica"/>
-        <a:cs typeface="Helvetica"/>
       </a:minorFont>
     </a:fontScheme>
     <a:fmtScheme name="Retrospect">
@@ -5018,7 +5692,13 @@
           </a:effectLst>
         </a:effectStyle>
         <a:effectStyle>
-          <a:effectLst/>
+          <a:effectLst>
+            <a:outerShdw sx="100000" sy="100000" kx="0" ky="0" algn="b" rotWithShape="0" blurRad="38100" dist="25400" dir="2700000">
+              <a:srgbClr val="000000">
+                <a:alpha val="60000"/>
+              </a:srgbClr>
+            </a:outerShdw>
+          </a:effectLst>
         </a:effectStyle>
       </a:effectStyleLst>
       <a:bgFillStyleLst>
@@ -5079,7 +5759,7 @@
         <a:solidFill>
           <a:srgbClr val="FFFFFF"/>
         </a:solidFill>
-        <a:ln w="15875" cap="flat">
+        <a:ln w="25400" cap="flat">
           <a:solidFill>
             <a:schemeClr val="accent1"/>
           </a:solidFill>
@@ -5095,7 +5775,7 @@
         </a:effectLst>
         <a:sp3d/>
       </a:spPr>
-      <a:bodyPr rot="0" spcFirstLastPara="1" vertOverflow="overflow" horzOverflow="overflow" vert="horz" wrap="square" lIns="45719" tIns="45719" rIns="45719" bIns="45719" numCol="1" spcCol="38100" rtlCol="0" anchor="ctr" upright="0">
+      <a:bodyPr rot="0" spcFirstLastPara="1" vertOverflow="overflow" horzOverflow="overflow" vert="horz" wrap="square" lIns="45718" tIns="45718" rIns="45718" bIns="45718" numCol="1" spcCol="38100" rtlCol="0" anchor="ctr" upright="0">
         <a:spAutoFit/>
       </a:bodyPr>
       <a:lstStyle>
@@ -5123,10 +5803,10 @@
             </a:solidFill>
             <a:effectLst/>
             <a:uFillTx/>
-            <a:latin typeface="Calibri"/>
-            <a:ea typeface="Calibri"/>
-            <a:cs typeface="Calibri"/>
-            <a:sym typeface="Calibri"/>
+            <a:latin typeface="+mj-lt"/>
+            <a:ea typeface="+mj-ea"/>
+            <a:cs typeface="+mj-cs"/>
+            <a:sym typeface="Helvetica"/>
           </a:defRPr>
         </a:defPPr>
         <a:lvl1pPr marL="0" marR="0" indent="0" algn="l" defTabSz="914400" rtl="0" fontAlgn="auto" latinLnBrk="1" hangingPunct="0">
@@ -5374,14 +6054,20 @@
     <a:lnDef>
       <a:spPr>
         <a:noFill/>
-        <a:ln w="15875" cap="flat">
+        <a:ln w="25400" cap="flat">
           <a:solidFill>
             <a:schemeClr val="accent1"/>
           </a:solidFill>
           <a:prstDash val="solid"/>
           <a:round/>
         </a:ln>
-        <a:effectLst/>
+        <a:effectLst>
+          <a:outerShdw sx="100000" sy="100000" kx="0" ky="0" algn="b" rotWithShape="0" blurRad="38100" dist="25400" dir="2700000">
+            <a:srgbClr val="000000">
+              <a:alpha val="60000"/>
+            </a:srgbClr>
+          </a:outerShdw>
+        </a:effectLst>
         <a:sp3d/>
       </a:spPr>
       <a:bodyPr rot="0" spcFirstLastPara="1" vertOverflow="overflow" horzOverflow="overflow" vert="horz" wrap="square" lIns="91439" tIns="45719" rIns="91439" bIns="45719" numCol="1" spcCol="38100" rtlCol="0" anchor="t" upright="0">
@@ -5666,7 +6352,7 @@
         <a:effectLst/>
         <a:sp3d/>
       </a:spPr>
-      <a:bodyPr rot="0" spcFirstLastPara="1" vertOverflow="overflow" horzOverflow="overflow" vert="horz" wrap="square" lIns="45719" tIns="45719" rIns="45719" bIns="45719" numCol="1" spcCol="38100" rtlCol="0" anchor="t" upright="0">
+      <a:bodyPr rot="0" spcFirstLastPara="1" vertOverflow="overflow" horzOverflow="overflow" vert="horz" wrap="square" lIns="45718" tIns="45718" rIns="45718" bIns="45718" numCol="1" spcCol="38100" rtlCol="0" anchor="t" upright="0">
         <a:spAutoFit/>
       </a:bodyPr>
       <a:lstStyle>
@@ -5694,10 +6380,10 @@
             </a:solidFill>
             <a:effectLst/>
             <a:uFillTx/>
-            <a:latin typeface="Calibri"/>
-            <a:ea typeface="Calibri"/>
-            <a:cs typeface="Calibri"/>
-            <a:sym typeface="Calibri"/>
+            <a:latin typeface="+mj-lt"/>
+            <a:ea typeface="+mj-ea"/>
+            <a:cs typeface="+mj-cs"/>
+            <a:sym typeface="Helvetica"/>
           </a:defRPr>
         </a:defPPr>
         <a:lvl1pPr marL="0" marR="0" indent="0" algn="l" defTabSz="914400" rtl="0" fontAlgn="auto" latinLnBrk="1" hangingPunct="0">
@@ -5989,14 +6675,14 @@
     </a:clrScheme>
     <a:fontScheme name="Retrospect">
       <a:majorFont>
+        <a:latin typeface="Helvetica"/>
+        <a:ea typeface="Helvetica"/>
+        <a:cs typeface="Helvetica"/>
+      </a:majorFont>
+      <a:minorFont>
         <a:latin typeface="Helvetica Neue"/>
         <a:ea typeface="Helvetica Neue"/>
         <a:cs typeface="Helvetica Neue"/>
-      </a:majorFont>
-      <a:minorFont>
-        <a:latin typeface="Helvetica"/>
-        <a:ea typeface="Helvetica"/>
-        <a:cs typeface="Helvetica"/>
       </a:minorFont>
     </a:fontScheme>
     <a:fmtScheme name="Retrospect">
@@ -6090,7 +6776,13 @@
           </a:effectLst>
         </a:effectStyle>
         <a:effectStyle>
-          <a:effectLst/>
+          <a:effectLst>
+            <a:outerShdw sx="100000" sy="100000" kx="0" ky="0" algn="b" rotWithShape="0" blurRad="38100" dist="25400" dir="2700000">
+              <a:srgbClr val="000000">
+                <a:alpha val="60000"/>
+              </a:srgbClr>
+            </a:outerShdw>
+          </a:effectLst>
         </a:effectStyle>
       </a:effectStyleLst>
       <a:bgFillStyleLst>
@@ -6151,7 +6843,7 @@
         <a:solidFill>
           <a:srgbClr val="FFFFFF"/>
         </a:solidFill>
-        <a:ln w="15875" cap="flat">
+        <a:ln w="25400" cap="flat">
           <a:solidFill>
             <a:schemeClr val="accent1"/>
           </a:solidFill>
@@ -6167,7 +6859,7 @@
         </a:effectLst>
         <a:sp3d/>
       </a:spPr>
-      <a:bodyPr rot="0" spcFirstLastPara="1" vertOverflow="overflow" horzOverflow="overflow" vert="horz" wrap="square" lIns="45719" tIns="45719" rIns="45719" bIns="45719" numCol="1" spcCol="38100" rtlCol="0" anchor="ctr" upright="0">
+      <a:bodyPr rot="0" spcFirstLastPara="1" vertOverflow="overflow" horzOverflow="overflow" vert="horz" wrap="square" lIns="45718" tIns="45718" rIns="45718" bIns="45718" numCol="1" spcCol="38100" rtlCol="0" anchor="ctr" upright="0">
         <a:spAutoFit/>
       </a:bodyPr>
       <a:lstStyle>
@@ -6195,10 +6887,10 @@
             </a:solidFill>
             <a:effectLst/>
             <a:uFillTx/>
-            <a:latin typeface="Calibri"/>
-            <a:ea typeface="Calibri"/>
-            <a:cs typeface="Calibri"/>
-            <a:sym typeface="Calibri"/>
+            <a:latin typeface="+mj-lt"/>
+            <a:ea typeface="+mj-ea"/>
+            <a:cs typeface="+mj-cs"/>
+            <a:sym typeface="Helvetica"/>
           </a:defRPr>
         </a:defPPr>
         <a:lvl1pPr marL="0" marR="0" indent="0" algn="l" defTabSz="914400" rtl="0" fontAlgn="auto" latinLnBrk="1" hangingPunct="0">
@@ -6446,14 +7138,20 @@
     <a:lnDef>
       <a:spPr>
         <a:noFill/>
-        <a:ln w="15875" cap="flat">
+        <a:ln w="25400" cap="flat">
           <a:solidFill>
             <a:schemeClr val="accent1"/>
           </a:solidFill>
           <a:prstDash val="solid"/>
           <a:round/>
         </a:ln>
-        <a:effectLst/>
+        <a:effectLst>
+          <a:outerShdw sx="100000" sy="100000" kx="0" ky="0" algn="b" rotWithShape="0" blurRad="38100" dist="25400" dir="2700000">
+            <a:srgbClr val="000000">
+              <a:alpha val="60000"/>
+            </a:srgbClr>
+          </a:outerShdw>
+        </a:effectLst>
         <a:sp3d/>
       </a:spPr>
       <a:bodyPr rot="0" spcFirstLastPara="1" vertOverflow="overflow" horzOverflow="overflow" vert="horz" wrap="square" lIns="91439" tIns="45719" rIns="91439" bIns="45719" numCol="1" spcCol="38100" rtlCol="0" anchor="t" upright="0">
@@ -6738,7 +7436,7 @@
         <a:effectLst/>
         <a:sp3d/>
       </a:spPr>
-      <a:bodyPr rot="0" spcFirstLastPara="1" vertOverflow="overflow" horzOverflow="overflow" vert="horz" wrap="square" lIns="45719" tIns="45719" rIns="45719" bIns="45719" numCol="1" spcCol="38100" rtlCol="0" anchor="t" upright="0">
+      <a:bodyPr rot="0" spcFirstLastPara="1" vertOverflow="overflow" horzOverflow="overflow" vert="horz" wrap="square" lIns="45718" tIns="45718" rIns="45718" bIns="45718" numCol="1" spcCol="38100" rtlCol="0" anchor="t" upright="0">
         <a:spAutoFit/>
       </a:bodyPr>
       <a:lstStyle>
@@ -6766,10 +7464,10 @@
             </a:solidFill>
             <a:effectLst/>
             <a:uFillTx/>
-            <a:latin typeface="Calibri"/>
-            <a:ea typeface="Calibri"/>
-            <a:cs typeface="Calibri"/>
-            <a:sym typeface="Calibri"/>
+            <a:latin typeface="+mj-lt"/>
+            <a:ea typeface="+mj-ea"/>
+            <a:cs typeface="+mj-cs"/>
+            <a:sym typeface="Helvetica"/>
           </a:defRPr>
         </a:defPPr>
         <a:lvl1pPr marL="0" marR="0" indent="0" algn="l" defTabSz="914400" rtl="0" fontAlgn="auto" latinLnBrk="1" hangingPunct="0">
